--- a/2.2 Data Presentations (STA201).pptx
+++ b/2.2 Data Presentations (STA201).pptx
@@ -29,8 +29,9 @@
     <p:sldId id="427" r:id="rId23"/>
     <p:sldId id="428" r:id="rId24"/>
     <p:sldId id="432" r:id="rId25"/>
-    <p:sldId id="405" r:id="rId26"/>
-    <p:sldId id="363" r:id="rId27"/>
+    <p:sldId id="433" r:id="rId26"/>
+    <p:sldId id="405" r:id="rId27"/>
+    <p:sldId id="363" r:id="rId28"/>
   </p:sldIdLst>
   <p:sldSz cx="14630400" cy="8229600"/>
   <p:notesSz cx="6858000" cy="9144000"/>
@@ -4313,7 +4314,7 @@
           <a:p>
             <a:fld id="{97B34786-0A07-4281-A7C3-7630DD8912B6}" type="datetimeFigureOut">
               <a:rPr lang="en-US" smtClean="0"/>
-              <a:t>10/26/2024</a:t>
+              <a:t>2/8/2025</a:t>
             </a:fld>
             <a:endParaRPr lang="en-US"/>
           </a:p>
@@ -4492,7 +4493,7 @@
           <a:p>
             <a:fld id="{97B34786-0A07-4281-A7C3-7630DD8912B6}" type="datetimeFigureOut">
               <a:rPr lang="en-US" smtClean="0"/>
-              <a:t>10/26/2024</a:t>
+              <a:t>2/8/2025</a:t>
             </a:fld>
             <a:endParaRPr lang="en-US"/>
           </a:p>
@@ -4672,7 +4673,7 @@
           <a:p>
             <a:fld id="{97B34786-0A07-4281-A7C3-7630DD8912B6}" type="datetimeFigureOut">
               <a:rPr lang="en-US" smtClean="0"/>
-              <a:t>10/26/2024</a:t>
+              <a:t>2/8/2025</a:t>
             </a:fld>
             <a:endParaRPr lang="en-US"/>
           </a:p>
@@ -4847,7 +4848,7 @@
           <a:p>
             <a:fld id="{97B34786-0A07-4281-A7C3-7630DD8912B6}" type="datetimeFigureOut">
               <a:rPr lang="en-US" smtClean="0"/>
-              <a:t>10/26/2024</a:t>
+              <a:t>2/8/2025</a:t>
             </a:fld>
             <a:endParaRPr lang="en-US"/>
           </a:p>
@@ -5017,7 +5018,7 @@
           <a:p>
             <a:fld id="{97B34786-0A07-4281-A7C3-7630DD8912B6}" type="datetimeFigureOut">
               <a:rPr lang="en-US" smtClean="0"/>
-              <a:t>10/26/2024</a:t>
+              <a:t>2/8/2025</a:t>
             </a:fld>
             <a:endParaRPr lang="en-US"/>
           </a:p>
@@ -5330,7 +5331,7 @@
           <a:p>
             <a:fld id="{97B34786-0A07-4281-A7C3-7630DD8912B6}" type="datetimeFigureOut">
               <a:rPr lang="en-US" smtClean="0"/>
-              <a:t>10/26/2024</a:t>
+              <a:t>2/8/2025</a:t>
             </a:fld>
             <a:endParaRPr lang="en-US"/>
           </a:p>
@@ -5716,7 +5717,7 @@
           <a:p>
             <a:fld id="{97B34786-0A07-4281-A7C3-7630DD8912B6}" type="datetimeFigureOut">
               <a:rPr lang="en-US" smtClean="0"/>
-              <a:t>10/26/2024</a:t>
+              <a:t>2/8/2025</a:t>
             </a:fld>
             <a:endParaRPr lang="en-US"/>
           </a:p>
@@ -6150,7 +6151,7 @@
           <a:p>
             <a:fld id="{97B34786-0A07-4281-A7C3-7630DD8912B6}" type="datetimeFigureOut">
               <a:rPr lang="en-US" smtClean="0"/>
-              <a:t>10/26/2024</a:t>
+              <a:t>2/8/2025</a:t>
             </a:fld>
             <a:endParaRPr lang="en-US"/>
           </a:p>
@@ -6268,7 +6269,7 @@
           <a:p>
             <a:fld id="{97B34786-0A07-4281-A7C3-7630DD8912B6}" type="datetimeFigureOut">
               <a:rPr lang="en-US" smtClean="0"/>
-              <a:t>10/26/2024</a:t>
+              <a:t>2/8/2025</a:t>
             </a:fld>
             <a:endParaRPr lang="en-US"/>
           </a:p>
@@ -6363,7 +6364,7 @@
           <a:p>
             <a:fld id="{97B34786-0A07-4281-A7C3-7630DD8912B6}" type="datetimeFigureOut">
               <a:rPr lang="en-US" smtClean="0"/>
-              <a:t>10/26/2024</a:t>
+              <a:t>2/8/2025</a:t>
             </a:fld>
             <a:endParaRPr lang="en-US"/>
           </a:p>
@@ -6713,7 +6714,7 @@
           <a:p>
             <a:fld id="{97B34786-0A07-4281-A7C3-7630DD8912B6}" type="datetimeFigureOut">
               <a:rPr lang="en-US" smtClean="0"/>
-              <a:t>10/26/2024</a:t>
+              <a:t>2/8/2025</a:t>
             </a:fld>
             <a:endParaRPr lang="en-US"/>
           </a:p>
@@ -7138,7 +7139,7 @@
           <a:p>
             <a:fld id="{97B34786-0A07-4281-A7C3-7630DD8912B6}" type="datetimeFigureOut">
               <a:rPr lang="en-US" smtClean="0"/>
-              <a:t>10/26/2024</a:t>
+              <a:t>2/8/2025</a:t>
             </a:fld>
             <a:endParaRPr lang="en-US"/>
           </a:p>
@@ -7419,7 +7420,7 @@
           <a:p>
             <a:fld id="{97B34786-0A07-4281-A7C3-7630DD8912B6}" type="datetimeFigureOut">
               <a:rPr lang="en-US" smtClean="0"/>
-              <a:t>10/26/2024</a:t>
+              <a:t>2/8/2025</a:t>
             </a:fld>
             <a:endParaRPr lang="en-US"/>
           </a:p>
@@ -23729,14 +23730,14 @@
           <p:nvPr>
             <p:extLst>
               <p:ext uri="{D42A27DB-BD31-4B8C-83A1-F6EECF244321}">
-                <p14:modId xmlns:p14="http://schemas.microsoft.com/office/powerpoint/2010/main" val="1873476849"/>
+                <p14:modId xmlns:p14="http://schemas.microsoft.com/office/powerpoint/2010/main" val="3497681907"/>
               </p:ext>
             </p:extLst>
           </p:nvPr>
         </p:nvGraphicFramePr>
         <p:xfrm>
-          <a:off x="198783" y="2028683"/>
-          <a:ext cx="14272600" cy="1170432"/>
+          <a:off x="457200" y="2100774"/>
+          <a:ext cx="13716000" cy="841248"/>
         </p:xfrm>
         <a:graphic>
           <a:graphicData uri="http://schemas.openxmlformats.org/drawingml/2006/table">
@@ -23745,70 +23746,70 @@
                 <a:tableStyleId>{5C22544A-7EE6-4342-B048-85BDC9FD1C3A}</a:tableStyleId>
               </a:tblPr>
               <a:tblGrid>
-                <a:gridCol w="1427260">
+                <a:gridCol w="2194560">
                   <a:extLst>
                     <a:ext uri="{9D8B030D-6E8A-4147-A177-3AD203B41FA5}">
                       <a16:colId xmlns:a16="http://schemas.microsoft.com/office/drawing/2014/main" val="1870704351"/>
                     </a:ext>
                   </a:extLst>
                 </a:gridCol>
-                <a:gridCol w="1427260">
+                <a:gridCol w="1280160">
                   <a:extLst>
                     <a:ext uri="{9D8B030D-6E8A-4147-A177-3AD203B41FA5}">
                       <a16:colId xmlns:a16="http://schemas.microsoft.com/office/drawing/2014/main" val="1690800666"/>
                     </a:ext>
                   </a:extLst>
                 </a:gridCol>
-                <a:gridCol w="1427260">
+                <a:gridCol w="1280160">
                   <a:extLst>
                     <a:ext uri="{9D8B030D-6E8A-4147-A177-3AD203B41FA5}">
                       <a16:colId xmlns:a16="http://schemas.microsoft.com/office/drawing/2014/main" val="2405969519"/>
                     </a:ext>
                   </a:extLst>
                 </a:gridCol>
-                <a:gridCol w="1427260">
+                <a:gridCol w="1280160">
                   <a:extLst>
                     <a:ext uri="{9D8B030D-6E8A-4147-A177-3AD203B41FA5}">
                       <a16:colId xmlns:a16="http://schemas.microsoft.com/office/drawing/2014/main" val="504724645"/>
                     </a:ext>
                   </a:extLst>
                 </a:gridCol>
-                <a:gridCol w="1427260">
+                <a:gridCol w="1280160">
                   <a:extLst>
                     <a:ext uri="{9D8B030D-6E8A-4147-A177-3AD203B41FA5}">
                       <a16:colId xmlns:a16="http://schemas.microsoft.com/office/drawing/2014/main" val="425019524"/>
                     </a:ext>
                   </a:extLst>
                 </a:gridCol>
-                <a:gridCol w="1427260">
+                <a:gridCol w="1280160">
                   <a:extLst>
                     <a:ext uri="{9D8B030D-6E8A-4147-A177-3AD203B41FA5}">
                       <a16:colId xmlns:a16="http://schemas.microsoft.com/office/drawing/2014/main" val="923157939"/>
                     </a:ext>
                   </a:extLst>
                 </a:gridCol>
-                <a:gridCol w="1427260">
+                <a:gridCol w="1280160">
                   <a:extLst>
                     <a:ext uri="{9D8B030D-6E8A-4147-A177-3AD203B41FA5}">
                       <a16:colId xmlns:a16="http://schemas.microsoft.com/office/drawing/2014/main" val="2773376430"/>
                     </a:ext>
                   </a:extLst>
                 </a:gridCol>
-                <a:gridCol w="1427260">
+                <a:gridCol w="1280160">
                   <a:extLst>
                     <a:ext uri="{9D8B030D-6E8A-4147-A177-3AD203B41FA5}">
                       <a16:colId xmlns:a16="http://schemas.microsoft.com/office/drawing/2014/main" val="2090785049"/>
                     </a:ext>
                   </a:extLst>
                 </a:gridCol>
-                <a:gridCol w="1427260">
+                <a:gridCol w="1280160">
                   <a:extLst>
                     <a:ext uri="{9D8B030D-6E8A-4147-A177-3AD203B41FA5}">
                       <a16:colId xmlns:a16="http://schemas.microsoft.com/office/drawing/2014/main" val="3245759288"/>
                     </a:ext>
                   </a:extLst>
                 </a:gridCol>
-                <a:gridCol w="1427260">
+                <a:gridCol w="1280160">
                   <a:extLst>
                     <a:ext uri="{9D8B030D-6E8A-4147-A177-3AD203B41FA5}">
                       <a16:colId xmlns:a16="http://schemas.microsoft.com/office/drawing/2014/main" val="2546866277"/>
@@ -23816,7 +23817,7 @@
                   </a:extLst>
                 </a:gridCol>
               </a:tblGrid>
-              <a:tr h="370840">
+              <a:tr h="365760">
                 <a:tc>
                   <a:txBody>
                     <a:bodyPr/>
@@ -24462,7 +24463,7 @@
                   </a:ext>
                 </a:extLst>
               </a:tr>
-              <a:tr h="370840">
+              <a:tr h="315229">
                 <a:tc>
                   <a:txBody>
                     <a:bodyPr/>
@@ -27368,6 +27369,3660 @@
   <p:cSld>
     <p:spTree>
       <p:nvGrpSpPr>
+        <p:cNvPr id="1" name="">
+          <a:extLst>
+            <a:ext uri="{FF2B5EF4-FFF2-40B4-BE49-F238E27FC236}">
+              <a16:creationId xmlns:a16="http://schemas.microsoft.com/office/drawing/2014/main" id="{8EE2C856-B140-064F-BEF7-0FA542AC6462}"/>
+            </a:ext>
+          </a:extLst>
+        </p:cNvPr>
+        <p:cNvGrpSpPr/>
+        <p:nvPr/>
+      </p:nvGrpSpPr>
+      <p:grpSpPr>
+        <a:xfrm>
+          <a:off x="0" y="0"/>
+          <a:ext cx="0" cy="0"/>
+          <a:chOff x="0" y="0"/>
+          <a:chExt cx="0" cy="0"/>
+        </a:xfrm>
+      </p:grpSpPr>
+      <p:sp>
+        <p:nvSpPr>
+          <p:cNvPr id="2" name="Title 1">
+            <a:extLst>
+              <a:ext uri="{FF2B5EF4-FFF2-40B4-BE49-F238E27FC236}">
+                <a16:creationId xmlns:a16="http://schemas.microsoft.com/office/drawing/2014/main" id="{EB7043D6-EF31-3889-0A42-D0187F3E0EB9}"/>
+              </a:ext>
+            </a:extLst>
+          </p:cNvPr>
+          <p:cNvSpPr>
+            <a:spLocks noGrp="1"/>
+          </p:cNvSpPr>
+          <p:nvPr>
+            <p:ph type="title"/>
+          </p:nvPr>
+        </p:nvSpPr>
+        <p:spPr>
+          <a:xfrm>
+            <a:off x="1283818" y="97470"/>
+            <a:ext cx="12070080" cy="1931213"/>
+          </a:xfrm>
+        </p:spPr>
+        <p:txBody>
+          <a:bodyPr/>
+          <a:lstStyle/>
+          <a:p>
+            <a:r>
+              <a:rPr lang="en-US" dirty="0"/>
+              <a:t>Self Practice!!!</a:t>
+            </a:r>
+          </a:p>
+        </p:txBody>
+      </p:sp>
+      <p:graphicFrame>
+        <p:nvGraphicFramePr>
+          <p:cNvPr id="5" name="Table 4">
+            <a:extLst>
+              <a:ext uri="{FF2B5EF4-FFF2-40B4-BE49-F238E27FC236}">
+                <a16:creationId xmlns:a16="http://schemas.microsoft.com/office/drawing/2014/main" id="{4C522D1B-526C-5FBB-8039-D0A510852416}"/>
+              </a:ext>
+            </a:extLst>
+          </p:cNvPr>
+          <p:cNvGraphicFramePr>
+            <a:graphicFrameLocks noGrp="1"/>
+          </p:cNvGraphicFramePr>
+          <p:nvPr>
+            <p:extLst>
+              <p:ext uri="{D42A27DB-BD31-4B8C-83A1-F6EECF244321}">
+                <p14:modId xmlns:p14="http://schemas.microsoft.com/office/powerpoint/2010/main" val="1631041227"/>
+              </p:ext>
+            </p:extLst>
+          </p:nvPr>
+        </p:nvGraphicFramePr>
+        <p:xfrm>
+          <a:off x="320040" y="3290944"/>
+          <a:ext cx="13990320" cy="841248"/>
+        </p:xfrm>
+        <a:graphic>
+          <a:graphicData uri="http://schemas.openxmlformats.org/drawingml/2006/table">
+            <a:tbl>
+              <a:tblPr firstRow="1" bandRow="1">
+                <a:tableStyleId>{5C22544A-7EE6-4342-B048-85BDC9FD1C3A}</a:tableStyleId>
+              </a:tblPr>
+              <a:tblGrid>
+                <a:gridCol w="4114800">
+                  <a:extLst>
+                    <a:ext uri="{9D8B030D-6E8A-4147-A177-3AD203B41FA5}">
+                      <a16:colId xmlns:a16="http://schemas.microsoft.com/office/drawing/2014/main" val="1870704351"/>
+                    </a:ext>
+                  </a:extLst>
+                </a:gridCol>
+                <a:gridCol w="1097280">
+                  <a:extLst>
+                    <a:ext uri="{9D8B030D-6E8A-4147-A177-3AD203B41FA5}">
+                      <a16:colId xmlns:a16="http://schemas.microsoft.com/office/drawing/2014/main" val="1690800666"/>
+                    </a:ext>
+                  </a:extLst>
+                </a:gridCol>
+                <a:gridCol w="1097280">
+                  <a:extLst>
+                    <a:ext uri="{9D8B030D-6E8A-4147-A177-3AD203B41FA5}">
+                      <a16:colId xmlns:a16="http://schemas.microsoft.com/office/drawing/2014/main" val="2405969519"/>
+                    </a:ext>
+                  </a:extLst>
+                </a:gridCol>
+                <a:gridCol w="1097280">
+                  <a:extLst>
+                    <a:ext uri="{9D8B030D-6E8A-4147-A177-3AD203B41FA5}">
+                      <a16:colId xmlns:a16="http://schemas.microsoft.com/office/drawing/2014/main" val="504724645"/>
+                    </a:ext>
+                  </a:extLst>
+                </a:gridCol>
+                <a:gridCol w="1097280">
+                  <a:extLst>
+                    <a:ext uri="{9D8B030D-6E8A-4147-A177-3AD203B41FA5}">
+                      <a16:colId xmlns:a16="http://schemas.microsoft.com/office/drawing/2014/main" val="425019524"/>
+                    </a:ext>
+                  </a:extLst>
+                </a:gridCol>
+                <a:gridCol w="1097280">
+                  <a:extLst>
+                    <a:ext uri="{9D8B030D-6E8A-4147-A177-3AD203B41FA5}">
+                      <a16:colId xmlns:a16="http://schemas.microsoft.com/office/drawing/2014/main" val="923157939"/>
+                    </a:ext>
+                  </a:extLst>
+                </a:gridCol>
+                <a:gridCol w="1097280">
+                  <a:extLst>
+                    <a:ext uri="{9D8B030D-6E8A-4147-A177-3AD203B41FA5}">
+                      <a16:colId xmlns:a16="http://schemas.microsoft.com/office/drawing/2014/main" val="2773376430"/>
+                    </a:ext>
+                  </a:extLst>
+                </a:gridCol>
+                <a:gridCol w="1097280">
+                  <a:extLst>
+                    <a:ext uri="{9D8B030D-6E8A-4147-A177-3AD203B41FA5}">
+                      <a16:colId xmlns:a16="http://schemas.microsoft.com/office/drawing/2014/main" val="2090785049"/>
+                    </a:ext>
+                  </a:extLst>
+                </a:gridCol>
+                <a:gridCol w="1097280">
+                  <a:extLst>
+                    <a:ext uri="{9D8B030D-6E8A-4147-A177-3AD203B41FA5}">
+                      <a16:colId xmlns:a16="http://schemas.microsoft.com/office/drawing/2014/main" val="3245759288"/>
+                    </a:ext>
+                  </a:extLst>
+                </a:gridCol>
+                <a:gridCol w="1097280">
+                  <a:extLst>
+                    <a:ext uri="{9D8B030D-6E8A-4147-A177-3AD203B41FA5}">
+                      <a16:colId xmlns:a16="http://schemas.microsoft.com/office/drawing/2014/main" val="2546866277"/>
+                    </a:ext>
+                  </a:extLst>
+                </a:gridCol>
+              </a:tblGrid>
+              <a:tr h="0">
+                <a:tc>
+                  <a:txBody>
+                    <a:bodyPr/>
+                    <a:lstStyle/>
+                    <a:p>
+                      <a:r>
+                        <a:rPr lang="en-US" b="0" dirty="0">
+                          <a:solidFill>
+                            <a:sysClr val="windowText" lastClr="000000"/>
+                          </a:solidFill>
+                        </a:rPr>
+                        <a:t>Funding Amount (Million $)</a:t>
+                      </a:r>
+                    </a:p>
+                  </a:txBody>
+                  <a:tcPr>
+                    <a:lnL w="12700" cap="flat" cmpd="sng" algn="ctr">
+                      <a:solidFill>
+                        <a:schemeClr val="tx1"/>
+                      </a:solidFill>
+                      <a:prstDash val="solid"/>
+                      <a:round/>
+                      <a:headEnd type="none" w="med" len="med"/>
+                      <a:tailEnd type="none" w="med" len="med"/>
+                    </a:lnL>
+                    <a:lnR w="12700" cap="flat" cmpd="sng" algn="ctr">
+                      <a:solidFill>
+                        <a:schemeClr val="tx1"/>
+                      </a:solidFill>
+                      <a:prstDash val="solid"/>
+                      <a:round/>
+                      <a:headEnd type="none" w="med" len="med"/>
+                      <a:tailEnd type="none" w="med" len="med"/>
+                    </a:lnR>
+                    <a:lnT w="12700" cap="flat" cmpd="sng" algn="ctr">
+                      <a:solidFill>
+                        <a:schemeClr val="tx1"/>
+                      </a:solidFill>
+                      <a:prstDash val="solid"/>
+                      <a:round/>
+                      <a:headEnd type="none" w="med" len="med"/>
+                      <a:tailEnd type="none" w="med" len="med"/>
+                    </a:lnT>
+                    <a:lnB w="12700" cap="flat" cmpd="sng" algn="ctr">
+                      <a:solidFill>
+                        <a:schemeClr val="tx1"/>
+                      </a:solidFill>
+                      <a:prstDash val="solid"/>
+                      <a:round/>
+                      <a:headEnd type="none" w="med" len="med"/>
+                      <a:tailEnd type="none" w="med" len="med"/>
+                    </a:lnB>
+                    <a:lnTlToBr w="12700" cmpd="sng">
+                      <a:noFill/>
+                      <a:prstDash val="solid"/>
+                    </a:lnTlToBr>
+                    <a:lnBlToTr w="12700" cmpd="sng">
+                      <a:noFill/>
+                      <a:prstDash val="solid"/>
+                    </a:lnBlToTr>
+                    <a:noFill/>
+                  </a:tcPr>
+                </a:tc>
+                <a:tc>
+                  <a:txBody>
+                    <a:bodyPr/>
+                    <a:lstStyle/>
+                    <a:p>
+                      <a:pPr algn="ctr"/>
+                      <a:r>
+                        <a:rPr lang="en-US" b="0" dirty="0">
+                          <a:solidFill>
+                            <a:sysClr val="windowText" lastClr="000000"/>
+                          </a:solidFill>
+                        </a:rPr>
+                        <a:t>0-5</a:t>
+                      </a:r>
+                    </a:p>
+                  </a:txBody>
+                  <a:tcPr>
+                    <a:lnL w="12700" cap="flat" cmpd="sng" algn="ctr">
+                      <a:solidFill>
+                        <a:schemeClr val="tx1"/>
+                      </a:solidFill>
+                      <a:prstDash val="solid"/>
+                      <a:round/>
+                      <a:headEnd type="none" w="med" len="med"/>
+                      <a:tailEnd type="none" w="med" len="med"/>
+                    </a:lnL>
+                    <a:lnR w="12700" cap="flat" cmpd="sng" algn="ctr">
+                      <a:solidFill>
+                        <a:schemeClr val="tx1"/>
+                      </a:solidFill>
+                      <a:prstDash val="solid"/>
+                      <a:round/>
+                      <a:headEnd type="none" w="med" len="med"/>
+                      <a:tailEnd type="none" w="med" len="med"/>
+                    </a:lnR>
+                    <a:lnT w="12700" cap="flat" cmpd="sng" algn="ctr">
+                      <a:solidFill>
+                        <a:schemeClr val="tx1"/>
+                      </a:solidFill>
+                      <a:prstDash val="solid"/>
+                      <a:round/>
+                      <a:headEnd type="none" w="med" len="med"/>
+                      <a:tailEnd type="none" w="med" len="med"/>
+                    </a:lnT>
+                    <a:lnB w="12700" cap="flat" cmpd="sng" algn="ctr">
+                      <a:solidFill>
+                        <a:schemeClr val="tx1"/>
+                      </a:solidFill>
+                      <a:prstDash val="solid"/>
+                      <a:round/>
+                      <a:headEnd type="none" w="med" len="med"/>
+                      <a:tailEnd type="none" w="med" len="med"/>
+                    </a:lnB>
+                    <a:lnTlToBr w="12700" cmpd="sng">
+                      <a:noFill/>
+                      <a:prstDash val="solid"/>
+                    </a:lnTlToBr>
+                    <a:lnBlToTr w="12700" cmpd="sng">
+                      <a:noFill/>
+                      <a:prstDash val="solid"/>
+                    </a:lnBlToTr>
+                    <a:noFill/>
+                  </a:tcPr>
+                </a:tc>
+                <a:tc>
+                  <a:txBody>
+                    <a:bodyPr/>
+                    <a:lstStyle/>
+                    <a:p>
+                      <a:pPr algn="ctr"/>
+                      <a:r>
+                        <a:rPr lang="en-US" b="0" dirty="0">
+                          <a:solidFill>
+                            <a:sysClr val="windowText" lastClr="000000"/>
+                          </a:solidFill>
+                        </a:rPr>
+                        <a:t>5-10</a:t>
+                      </a:r>
+                    </a:p>
+                  </a:txBody>
+                  <a:tcPr>
+                    <a:lnL w="12700" cap="flat" cmpd="sng" algn="ctr">
+                      <a:solidFill>
+                        <a:schemeClr val="tx1"/>
+                      </a:solidFill>
+                      <a:prstDash val="solid"/>
+                      <a:round/>
+                      <a:headEnd type="none" w="med" len="med"/>
+                      <a:tailEnd type="none" w="med" len="med"/>
+                    </a:lnL>
+                    <a:lnR w="12700" cap="flat" cmpd="sng" algn="ctr">
+                      <a:solidFill>
+                        <a:schemeClr val="tx1"/>
+                      </a:solidFill>
+                      <a:prstDash val="solid"/>
+                      <a:round/>
+                      <a:headEnd type="none" w="med" len="med"/>
+                      <a:tailEnd type="none" w="med" len="med"/>
+                    </a:lnR>
+                    <a:lnT w="12700" cap="flat" cmpd="sng" algn="ctr">
+                      <a:solidFill>
+                        <a:schemeClr val="tx1"/>
+                      </a:solidFill>
+                      <a:prstDash val="solid"/>
+                      <a:round/>
+                      <a:headEnd type="none" w="med" len="med"/>
+                      <a:tailEnd type="none" w="med" len="med"/>
+                    </a:lnT>
+                    <a:lnB w="12700" cap="flat" cmpd="sng" algn="ctr">
+                      <a:solidFill>
+                        <a:schemeClr val="tx1"/>
+                      </a:solidFill>
+                      <a:prstDash val="solid"/>
+                      <a:round/>
+                      <a:headEnd type="none" w="med" len="med"/>
+                      <a:tailEnd type="none" w="med" len="med"/>
+                    </a:lnB>
+                    <a:lnTlToBr w="12700" cmpd="sng">
+                      <a:noFill/>
+                      <a:prstDash val="solid"/>
+                    </a:lnTlToBr>
+                    <a:lnBlToTr w="12700" cmpd="sng">
+                      <a:noFill/>
+                      <a:prstDash val="solid"/>
+                    </a:lnBlToTr>
+                    <a:noFill/>
+                  </a:tcPr>
+                </a:tc>
+                <a:tc>
+                  <a:txBody>
+                    <a:bodyPr/>
+                    <a:lstStyle/>
+                    <a:p>
+                      <a:pPr algn="ctr"/>
+                      <a:r>
+                        <a:rPr lang="en-US" b="0" dirty="0">
+                          <a:solidFill>
+                            <a:sysClr val="windowText" lastClr="000000"/>
+                          </a:solidFill>
+                        </a:rPr>
+                        <a:t>10-15</a:t>
+                      </a:r>
+                    </a:p>
+                  </a:txBody>
+                  <a:tcPr>
+                    <a:lnL w="12700" cap="flat" cmpd="sng" algn="ctr">
+                      <a:solidFill>
+                        <a:schemeClr val="tx1"/>
+                      </a:solidFill>
+                      <a:prstDash val="solid"/>
+                      <a:round/>
+                      <a:headEnd type="none" w="med" len="med"/>
+                      <a:tailEnd type="none" w="med" len="med"/>
+                    </a:lnL>
+                    <a:lnR w="12700" cap="flat" cmpd="sng" algn="ctr">
+                      <a:solidFill>
+                        <a:schemeClr val="tx1"/>
+                      </a:solidFill>
+                      <a:prstDash val="solid"/>
+                      <a:round/>
+                      <a:headEnd type="none" w="med" len="med"/>
+                      <a:tailEnd type="none" w="med" len="med"/>
+                    </a:lnR>
+                    <a:lnT w="12700" cap="flat" cmpd="sng" algn="ctr">
+                      <a:solidFill>
+                        <a:schemeClr val="tx1"/>
+                      </a:solidFill>
+                      <a:prstDash val="solid"/>
+                      <a:round/>
+                      <a:headEnd type="none" w="med" len="med"/>
+                      <a:tailEnd type="none" w="med" len="med"/>
+                    </a:lnT>
+                    <a:lnB w="12700" cap="flat" cmpd="sng" algn="ctr">
+                      <a:solidFill>
+                        <a:schemeClr val="tx1"/>
+                      </a:solidFill>
+                      <a:prstDash val="solid"/>
+                      <a:round/>
+                      <a:headEnd type="none" w="med" len="med"/>
+                      <a:tailEnd type="none" w="med" len="med"/>
+                    </a:lnB>
+                    <a:lnTlToBr w="12700" cmpd="sng">
+                      <a:noFill/>
+                      <a:prstDash val="solid"/>
+                    </a:lnTlToBr>
+                    <a:lnBlToTr w="12700" cmpd="sng">
+                      <a:noFill/>
+                      <a:prstDash val="solid"/>
+                    </a:lnBlToTr>
+                    <a:noFill/>
+                  </a:tcPr>
+                </a:tc>
+                <a:tc>
+                  <a:txBody>
+                    <a:bodyPr/>
+                    <a:lstStyle/>
+                    <a:p>
+                      <a:pPr algn="ctr"/>
+                      <a:r>
+                        <a:rPr lang="en-US" b="0" dirty="0">
+                          <a:solidFill>
+                            <a:sysClr val="windowText" lastClr="000000"/>
+                          </a:solidFill>
+                        </a:rPr>
+                        <a:t>15-20</a:t>
+                      </a:r>
+                    </a:p>
+                  </a:txBody>
+                  <a:tcPr>
+                    <a:lnL w="12700" cap="flat" cmpd="sng" algn="ctr">
+                      <a:solidFill>
+                        <a:schemeClr val="tx1"/>
+                      </a:solidFill>
+                      <a:prstDash val="solid"/>
+                      <a:round/>
+                      <a:headEnd type="none" w="med" len="med"/>
+                      <a:tailEnd type="none" w="med" len="med"/>
+                    </a:lnL>
+                    <a:lnR w="12700" cap="flat" cmpd="sng" algn="ctr">
+                      <a:solidFill>
+                        <a:schemeClr val="tx1"/>
+                      </a:solidFill>
+                      <a:prstDash val="solid"/>
+                      <a:round/>
+                      <a:headEnd type="none" w="med" len="med"/>
+                      <a:tailEnd type="none" w="med" len="med"/>
+                    </a:lnR>
+                    <a:lnT w="12700" cap="flat" cmpd="sng" algn="ctr">
+                      <a:solidFill>
+                        <a:schemeClr val="tx1"/>
+                      </a:solidFill>
+                      <a:prstDash val="solid"/>
+                      <a:round/>
+                      <a:headEnd type="none" w="med" len="med"/>
+                      <a:tailEnd type="none" w="med" len="med"/>
+                    </a:lnT>
+                    <a:lnB w="12700" cap="flat" cmpd="sng" algn="ctr">
+                      <a:solidFill>
+                        <a:schemeClr val="tx1"/>
+                      </a:solidFill>
+                      <a:prstDash val="solid"/>
+                      <a:round/>
+                      <a:headEnd type="none" w="med" len="med"/>
+                      <a:tailEnd type="none" w="med" len="med"/>
+                    </a:lnB>
+                    <a:lnTlToBr w="12700" cmpd="sng">
+                      <a:noFill/>
+                      <a:prstDash val="solid"/>
+                    </a:lnTlToBr>
+                    <a:lnBlToTr w="12700" cmpd="sng">
+                      <a:noFill/>
+                      <a:prstDash val="solid"/>
+                    </a:lnBlToTr>
+                    <a:noFill/>
+                  </a:tcPr>
+                </a:tc>
+                <a:tc>
+                  <a:txBody>
+                    <a:bodyPr/>
+                    <a:lstStyle/>
+                    <a:p>
+                      <a:pPr algn="ctr"/>
+                      <a:r>
+                        <a:rPr lang="en-US" b="0" dirty="0">
+                          <a:solidFill>
+                            <a:sysClr val="windowText" lastClr="000000"/>
+                          </a:solidFill>
+                        </a:rPr>
+                        <a:t>20-25</a:t>
+                      </a:r>
+                    </a:p>
+                  </a:txBody>
+                  <a:tcPr>
+                    <a:lnL w="12700" cap="flat" cmpd="sng" algn="ctr">
+                      <a:solidFill>
+                        <a:schemeClr val="tx1"/>
+                      </a:solidFill>
+                      <a:prstDash val="solid"/>
+                      <a:round/>
+                      <a:headEnd type="none" w="med" len="med"/>
+                      <a:tailEnd type="none" w="med" len="med"/>
+                    </a:lnL>
+                    <a:lnR w="12700" cap="flat" cmpd="sng" algn="ctr">
+                      <a:solidFill>
+                        <a:schemeClr val="tx1"/>
+                      </a:solidFill>
+                      <a:prstDash val="solid"/>
+                      <a:round/>
+                      <a:headEnd type="none" w="med" len="med"/>
+                      <a:tailEnd type="none" w="med" len="med"/>
+                    </a:lnR>
+                    <a:lnT w="12700" cap="flat" cmpd="sng" algn="ctr">
+                      <a:solidFill>
+                        <a:schemeClr val="tx1"/>
+                      </a:solidFill>
+                      <a:prstDash val="solid"/>
+                      <a:round/>
+                      <a:headEnd type="none" w="med" len="med"/>
+                      <a:tailEnd type="none" w="med" len="med"/>
+                    </a:lnT>
+                    <a:lnB w="12700" cap="flat" cmpd="sng" algn="ctr">
+                      <a:solidFill>
+                        <a:schemeClr val="tx1"/>
+                      </a:solidFill>
+                      <a:prstDash val="solid"/>
+                      <a:round/>
+                      <a:headEnd type="none" w="med" len="med"/>
+                      <a:tailEnd type="none" w="med" len="med"/>
+                    </a:lnB>
+                    <a:lnTlToBr w="12700" cmpd="sng">
+                      <a:noFill/>
+                      <a:prstDash val="solid"/>
+                    </a:lnTlToBr>
+                    <a:lnBlToTr w="12700" cmpd="sng">
+                      <a:noFill/>
+                      <a:prstDash val="solid"/>
+                    </a:lnBlToTr>
+                    <a:noFill/>
+                  </a:tcPr>
+                </a:tc>
+                <a:tc>
+                  <a:txBody>
+                    <a:bodyPr/>
+                    <a:lstStyle/>
+                    <a:p>
+                      <a:pPr algn="ctr"/>
+                      <a:r>
+                        <a:rPr lang="en-US" b="0" dirty="0">
+                          <a:solidFill>
+                            <a:sysClr val="windowText" lastClr="000000"/>
+                          </a:solidFill>
+                        </a:rPr>
+                        <a:t>25-30</a:t>
+                      </a:r>
+                    </a:p>
+                  </a:txBody>
+                  <a:tcPr>
+                    <a:lnL w="12700" cap="flat" cmpd="sng" algn="ctr">
+                      <a:solidFill>
+                        <a:schemeClr val="tx1"/>
+                      </a:solidFill>
+                      <a:prstDash val="solid"/>
+                      <a:round/>
+                      <a:headEnd type="none" w="med" len="med"/>
+                      <a:tailEnd type="none" w="med" len="med"/>
+                    </a:lnL>
+                    <a:lnR w="12700" cap="flat" cmpd="sng" algn="ctr">
+                      <a:solidFill>
+                        <a:schemeClr val="tx1"/>
+                      </a:solidFill>
+                      <a:prstDash val="solid"/>
+                      <a:round/>
+                      <a:headEnd type="none" w="med" len="med"/>
+                      <a:tailEnd type="none" w="med" len="med"/>
+                    </a:lnR>
+                    <a:lnT w="12700" cap="flat" cmpd="sng" algn="ctr">
+                      <a:solidFill>
+                        <a:schemeClr val="tx1"/>
+                      </a:solidFill>
+                      <a:prstDash val="solid"/>
+                      <a:round/>
+                      <a:headEnd type="none" w="med" len="med"/>
+                      <a:tailEnd type="none" w="med" len="med"/>
+                    </a:lnT>
+                    <a:lnB w="12700" cap="flat" cmpd="sng" algn="ctr">
+                      <a:solidFill>
+                        <a:schemeClr val="tx1"/>
+                      </a:solidFill>
+                      <a:prstDash val="solid"/>
+                      <a:round/>
+                      <a:headEnd type="none" w="med" len="med"/>
+                      <a:tailEnd type="none" w="med" len="med"/>
+                    </a:lnB>
+                    <a:lnTlToBr w="12700" cmpd="sng">
+                      <a:noFill/>
+                      <a:prstDash val="solid"/>
+                    </a:lnTlToBr>
+                    <a:lnBlToTr w="12700" cmpd="sng">
+                      <a:noFill/>
+                      <a:prstDash val="solid"/>
+                    </a:lnBlToTr>
+                    <a:noFill/>
+                  </a:tcPr>
+                </a:tc>
+                <a:tc>
+                  <a:txBody>
+                    <a:bodyPr/>
+                    <a:lstStyle/>
+                    <a:p>
+                      <a:pPr algn="ctr"/>
+                      <a:r>
+                        <a:rPr lang="en-US" b="0" dirty="0">
+                          <a:solidFill>
+                            <a:sysClr val="windowText" lastClr="000000"/>
+                          </a:solidFill>
+                        </a:rPr>
+                        <a:t>30-35</a:t>
+                      </a:r>
+                    </a:p>
+                  </a:txBody>
+                  <a:tcPr>
+                    <a:lnL w="12700" cap="flat" cmpd="sng" algn="ctr">
+                      <a:solidFill>
+                        <a:schemeClr val="tx1"/>
+                      </a:solidFill>
+                      <a:prstDash val="solid"/>
+                      <a:round/>
+                      <a:headEnd type="none" w="med" len="med"/>
+                      <a:tailEnd type="none" w="med" len="med"/>
+                    </a:lnL>
+                    <a:lnR w="12700" cap="flat" cmpd="sng" algn="ctr">
+                      <a:solidFill>
+                        <a:schemeClr val="tx1"/>
+                      </a:solidFill>
+                      <a:prstDash val="solid"/>
+                      <a:round/>
+                      <a:headEnd type="none" w="med" len="med"/>
+                      <a:tailEnd type="none" w="med" len="med"/>
+                    </a:lnR>
+                    <a:lnT w="12700" cap="flat" cmpd="sng" algn="ctr">
+                      <a:solidFill>
+                        <a:schemeClr val="tx1"/>
+                      </a:solidFill>
+                      <a:prstDash val="solid"/>
+                      <a:round/>
+                      <a:headEnd type="none" w="med" len="med"/>
+                      <a:tailEnd type="none" w="med" len="med"/>
+                    </a:lnT>
+                    <a:lnB w="12700" cap="flat" cmpd="sng" algn="ctr">
+                      <a:solidFill>
+                        <a:schemeClr val="tx1"/>
+                      </a:solidFill>
+                      <a:prstDash val="solid"/>
+                      <a:round/>
+                      <a:headEnd type="none" w="med" len="med"/>
+                      <a:tailEnd type="none" w="med" len="med"/>
+                    </a:lnB>
+                    <a:lnTlToBr w="12700" cmpd="sng">
+                      <a:noFill/>
+                      <a:prstDash val="solid"/>
+                    </a:lnTlToBr>
+                    <a:lnBlToTr w="12700" cmpd="sng">
+                      <a:noFill/>
+                      <a:prstDash val="solid"/>
+                    </a:lnBlToTr>
+                    <a:noFill/>
+                  </a:tcPr>
+                </a:tc>
+                <a:tc>
+                  <a:txBody>
+                    <a:bodyPr/>
+                    <a:lstStyle/>
+                    <a:p>
+                      <a:pPr algn="ctr"/>
+                      <a:r>
+                        <a:rPr lang="en-US" b="0" dirty="0">
+                          <a:solidFill>
+                            <a:sysClr val="windowText" lastClr="000000"/>
+                          </a:solidFill>
+                        </a:rPr>
+                        <a:t>35-40</a:t>
+                      </a:r>
+                    </a:p>
+                  </a:txBody>
+                  <a:tcPr>
+                    <a:lnL w="12700" cap="flat" cmpd="sng" algn="ctr">
+                      <a:solidFill>
+                        <a:schemeClr val="tx1"/>
+                      </a:solidFill>
+                      <a:prstDash val="solid"/>
+                      <a:round/>
+                      <a:headEnd type="none" w="med" len="med"/>
+                      <a:tailEnd type="none" w="med" len="med"/>
+                    </a:lnL>
+                    <a:lnR w="12700" cap="flat" cmpd="sng" algn="ctr">
+                      <a:solidFill>
+                        <a:schemeClr val="tx1"/>
+                      </a:solidFill>
+                      <a:prstDash val="solid"/>
+                      <a:round/>
+                      <a:headEnd type="none" w="med" len="med"/>
+                      <a:tailEnd type="none" w="med" len="med"/>
+                    </a:lnR>
+                    <a:lnT w="12700" cap="flat" cmpd="sng" algn="ctr">
+                      <a:solidFill>
+                        <a:schemeClr val="tx1"/>
+                      </a:solidFill>
+                      <a:prstDash val="solid"/>
+                      <a:round/>
+                      <a:headEnd type="none" w="med" len="med"/>
+                      <a:tailEnd type="none" w="med" len="med"/>
+                    </a:lnT>
+                    <a:lnB w="12700" cap="flat" cmpd="sng" algn="ctr">
+                      <a:solidFill>
+                        <a:schemeClr val="tx1"/>
+                      </a:solidFill>
+                      <a:prstDash val="solid"/>
+                      <a:round/>
+                      <a:headEnd type="none" w="med" len="med"/>
+                      <a:tailEnd type="none" w="med" len="med"/>
+                    </a:lnB>
+                    <a:lnTlToBr w="12700" cmpd="sng">
+                      <a:noFill/>
+                      <a:prstDash val="solid"/>
+                    </a:lnTlToBr>
+                    <a:lnBlToTr w="12700" cmpd="sng">
+                      <a:noFill/>
+                      <a:prstDash val="solid"/>
+                    </a:lnBlToTr>
+                    <a:noFill/>
+                  </a:tcPr>
+                </a:tc>
+                <a:tc>
+                  <a:txBody>
+                    <a:bodyPr/>
+                    <a:lstStyle/>
+                    <a:p>
+                      <a:pPr algn="ctr"/>
+                      <a:r>
+                        <a:rPr lang="en-US" b="0" dirty="0">
+                          <a:solidFill>
+                            <a:sysClr val="windowText" lastClr="000000"/>
+                          </a:solidFill>
+                        </a:rPr>
+                        <a:t>40-55</a:t>
+                      </a:r>
+                    </a:p>
+                  </a:txBody>
+                  <a:tcPr>
+                    <a:lnL w="12700" cap="flat" cmpd="sng" algn="ctr">
+                      <a:solidFill>
+                        <a:schemeClr val="tx1"/>
+                      </a:solidFill>
+                      <a:prstDash val="solid"/>
+                      <a:round/>
+                      <a:headEnd type="none" w="med" len="med"/>
+                      <a:tailEnd type="none" w="med" len="med"/>
+                    </a:lnL>
+                    <a:lnR w="12700" cap="flat" cmpd="sng" algn="ctr">
+                      <a:solidFill>
+                        <a:schemeClr val="tx1"/>
+                      </a:solidFill>
+                      <a:prstDash val="solid"/>
+                      <a:round/>
+                      <a:headEnd type="none" w="med" len="med"/>
+                      <a:tailEnd type="none" w="med" len="med"/>
+                    </a:lnR>
+                    <a:lnT w="12700" cap="flat" cmpd="sng" algn="ctr">
+                      <a:solidFill>
+                        <a:schemeClr val="tx1"/>
+                      </a:solidFill>
+                      <a:prstDash val="solid"/>
+                      <a:round/>
+                      <a:headEnd type="none" w="med" len="med"/>
+                      <a:tailEnd type="none" w="med" len="med"/>
+                    </a:lnT>
+                    <a:lnB w="12700" cap="flat" cmpd="sng" algn="ctr">
+                      <a:solidFill>
+                        <a:schemeClr val="tx1"/>
+                      </a:solidFill>
+                      <a:prstDash val="solid"/>
+                      <a:round/>
+                      <a:headEnd type="none" w="med" len="med"/>
+                      <a:tailEnd type="none" w="med" len="med"/>
+                    </a:lnB>
+                    <a:lnTlToBr w="12700" cmpd="sng">
+                      <a:noFill/>
+                      <a:prstDash val="solid"/>
+                    </a:lnTlToBr>
+                    <a:lnBlToTr w="12700" cmpd="sng">
+                      <a:noFill/>
+                      <a:prstDash val="solid"/>
+                    </a:lnBlToTr>
+                    <a:noFill/>
+                  </a:tcPr>
+                </a:tc>
+                <a:extLst>
+                  <a:ext uri="{0D108BD9-81ED-4DB2-BD59-A6C34878D82A}">
+                    <a16:rowId xmlns:a16="http://schemas.microsoft.com/office/drawing/2014/main" val="1022772416"/>
+                  </a:ext>
+                </a:extLst>
+              </a:tr>
+              <a:tr h="0">
+                <a:tc>
+                  <a:txBody>
+                    <a:bodyPr/>
+                    <a:lstStyle/>
+                    <a:p>
+                      <a:r>
+                        <a:rPr lang="en-US" sz="2100" b="0" dirty="0">
+                          <a:solidFill>
+                            <a:sysClr val="windowText" lastClr="000000"/>
+                          </a:solidFill>
+                        </a:rPr>
+                        <a:t>Frequency (Number of Startups)</a:t>
+                      </a:r>
+                    </a:p>
+                  </a:txBody>
+                  <a:tcPr>
+                    <a:lnL w="12700" cap="flat" cmpd="sng" algn="ctr">
+                      <a:solidFill>
+                        <a:schemeClr val="tx1"/>
+                      </a:solidFill>
+                      <a:prstDash val="solid"/>
+                      <a:round/>
+                      <a:headEnd type="none" w="med" len="med"/>
+                      <a:tailEnd type="none" w="med" len="med"/>
+                    </a:lnL>
+                    <a:lnR w="12700" cap="flat" cmpd="sng" algn="ctr">
+                      <a:solidFill>
+                        <a:schemeClr val="tx1"/>
+                      </a:solidFill>
+                      <a:prstDash val="solid"/>
+                      <a:round/>
+                      <a:headEnd type="none" w="med" len="med"/>
+                      <a:tailEnd type="none" w="med" len="med"/>
+                    </a:lnR>
+                    <a:lnT w="12700" cap="flat" cmpd="sng" algn="ctr">
+                      <a:solidFill>
+                        <a:schemeClr val="tx1"/>
+                      </a:solidFill>
+                      <a:prstDash val="solid"/>
+                      <a:round/>
+                      <a:headEnd type="none" w="med" len="med"/>
+                      <a:tailEnd type="none" w="med" len="med"/>
+                    </a:lnT>
+                    <a:lnB w="12700" cap="flat" cmpd="sng" algn="ctr">
+                      <a:solidFill>
+                        <a:schemeClr val="tx1"/>
+                      </a:solidFill>
+                      <a:prstDash val="solid"/>
+                      <a:round/>
+                      <a:headEnd type="none" w="med" len="med"/>
+                      <a:tailEnd type="none" w="med" len="med"/>
+                    </a:lnB>
+                    <a:lnTlToBr w="12700" cmpd="sng">
+                      <a:noFill/>
+                      <a:prstDash val="solid"/>
+                    </a:lnTlToBr>
+                    <a:lnBlToTr w="12700" cmpd="sng">
+                      <a:noFill/>
+                      <a:prstDash val="solid"/>
+                    </a:lnBlToTr>
+                    <a:noFill/>
+                  </a:tcPr>
+                </a:tc>
+                <a:tc>
+                  <a:txBody>
+                    <a:bodyPr/>
+                    <a:lstStyle/>
+                    <a:p>
+                      <a:pPr algn="ctr"/>
+                      <a:r>
+                        <a:rPr lang="en-US" b="0" dirty="0">
+                          <a:solidFill>
+                            <a:sysClr val="windowText" lastClr="000000"/>
+                          </a:solidFill>
+                        </a:rPr>
+                        <a:t>2</a:t>
+                      </a:r>
+                    </a:p>
+                  </a:txBody>
+                  <a:tcPr>
+                    <a:lnL w="12700" cap="flat" cmpd="sng" algn="ctr">
+                      <a:solidFill>
+                        <a:schemeClr val="tx1"/>
+                      </a:solidFill>
+                      <a:prstDash val="solid"/>
+                      <a:round/>
+                      <a:headEnd type="none" w="med" len="med"/>
+                      <a:tailEnd type="none" w="med" len="med"/>
+                    </a:lnL>
+                    <a:lnR w="12700" cap="flat" cmpd="sng" algn="ctr">
+                      <a:solidFill>
+                        <a:schemeClr val="tx1"/>
+                      </a:solidFill>
+                      <a:prstDash val="solid"/>
+                      <a:round/>
+                      <a:headEnd type="none" w="med" len="med"/>
+                      <a:tailEnd type="none" w="med" len="med"/>
+                    </a:lnR>
+                    <a:lnT w="12700" cap="flat" cmpd="sng" algn="ctr">
+                      <a:solidFill>
+                        <a:schemeClr val="tx1"/>
+                      </a:solidFill>
+                      <a:prstDash val="solid"/>
+                      <a:round/>
+                      <a:headEnd type="none" w="med" len="med"/>
+                      <a:tailEnd type="none" w="med" len="med"/>
+                    </a:lnT>
+                    <a:lnB w="12700" cap="flat" cmpd="sng" algn="ctr">
+                      <a:solidFill>
+                        <a:schemeClr val="tx1"/>
+                      </a:solidFill>
+                      <a:prstDash val="solid"/>
+                      <a:round/>
+                      <a:headEnd type="none" w="med" len="med"/>
+                      <a:tailEnd type="none" w="med" len="med"/>
+                    </a:lnB>
+                    <a:lnTlToBr w="12700" cmpd="sng">
+                      <a:noFill/>
+                      <a:prstDash val="solid"/>
+                    </a:lnTlToBr>
+                    <a:lnBlToTr w="12700" cmpd="sng">
+                      <a:noFill/>
+                      <a:prstDash val="solid"/>
+                    </a:lnBlToTr>
+                    <a:noFill/>
+                  </a:tcPr>
+                </a:tc>
+                <a:tc>
+                  <a:txBody>
+                    <a:bodyPr/>
+                    <a:lstStyle/>
+                    <a:p>
+                      <a:pPr algn="ctr"/>
+                      <a:r>
+                        <a:rPr lang="en-US" b="0" dirty="0">
+                          <a:solidFill>
+                            <a:sysClr val="windowText" lastClr="000000"/>
+                          </a:solidFill>
+                        </a:rPr>
+                        <a:t>4</a:t>
+                      </a:r>
+                    </a:p>
+                  </a:txBody>
+                  <a:tcPr>
+                    <a:lnL w="12700" cap="flat" cmpd="sng" algn="ctr">
+                      <a:solidFill>
+                        <a:schemeClr val="tx1"/>
+                      </a:solidFill>
+                      <a:prstDash val="solid"/>
+                      <a:round/>
+                      <a:headEnd type="none" w="med" len="med"/>
+                      <a:tailEnd type="none" w="med" len="med"/>
+                    </a:lnL>
+                    <a:lnR w="12700" cap="flat" cmpd="sng" algn="ctr">
+                      <a:solidFill>
+                        <a:schemeClr val="tx1"/>
+                      </a:solidFill>
+                      <a:prstDash val="solid"/>
+                      <a:round/>
+                      <a:headEnd type="none" w="med" len="med"/>
+                      <a:tailEnd type="none" w="med" len="med"/>
+                    </a:lnR>
+                    <a:lnT w="12700" cap="flat" cmpd="sng" algn="ctr">
+                      <a:solidFill>
+                        <a:schemeClr val="tx1"/>
+                      </a:solidFill>
+                      <a:prstDash val="solid"/>
+                      <a:round/>
+                      <a:headEnd type="none" w="med" len="med"/>
+                      <a:tailEnd type="none" w="med" len="med"/>
+                    </a:lnT>
+                    <a:lnB w="12700" cap="flat" cmpd="sng" algn="ctr">
+                      <a:solidFill>
+                        <a:schemeClr val="tx1"/>
+                      </a:solidFill>
+                      <a:prstDash val="solid"/>
+                      <a:round/>
+                      <a:headEnd type="none" w="med" len="med"/>
+                      <a:tailEnd type="none" w="med" len="med"/>
+                    </a:lnB>
+                    <a:lnTlToBr w="12700" cmpd="sng">
+                      <a:noFill/>
+                      <a:prstDash val="solid"/>
+                    </a:lnTlToBr>
+                    <a:lnBlToTr w="12700" cmpd="sng">
+                      <a:noFill/>
+                      <a:prstDash val="solid"/>
+                    </a:lnBlToTr>
+                    <a:noFill/>
+                  </a:tcPr>
+                </a:tc>
+                <a:tc>
+                  <a:txBody>
+                    <a:bodyPr/>
+                    <a:lstStyle/>
+                    <a:p>
+                      <a:pPr algn="ctr"/>
+                      <a:r>
+                        <a:rPr lang="en-US" b="0" dirty="0">
+                          <a:solidFill>
+                            <a:sysClr val="windowText" lastClr="000000"/>
+                          </a:solidFill>
+                        </a:rPr>
+                        <a:t>8</a:t>
+                      </a:r>
+                    </a:p>
+                  </a:txBody>
+                  <a:tcPr>
+                    <a:lnL w="12700" cap="flat" cmpd="sng" algn="ctr">
+                      <a:solidFill>
+                        <a:schemeClr val="tx1"/>
+                      </a:solidFill>
+                      <a:prstDash val="solid"/>
+                      <a:round/>
+                      <a:headEnd type="none" w="med" len="med"/>
+                      <a:tailEnd type="none" w="med" len="med"/>
+                    </a:lnL>
+                    <a:lnR w="12700" cap="flat" cmpd="sng" algn="ctr">
+                      <a:solidFill>
+                        <a:schemeClr val="tx1"/>
+                      </a:solidFill>
+                      <a:prstDash val="solid"/>
+                      <a:round/>
+                      <a:headEnd type="none" w="med" len="med"/>
+                      <a:tailEnd type="none" w="med" len="med"/>
+                    </a:lnR>
+                    <a:lnT w="12700" cap="flat" cmpd="sng" algn="ctr">
+                      <a:solidFill>
+                        <a:schemeClr val="tx1"/>
+                      </a:solidFill>
+                      <a:prstDash val="solid"/>
+                      <a:round/>
+                      <a:headEnd type="none" w="med" len="med"/>
+                      <a:tailEnd type="none" w="med" len="med"/>
+                    </a:lnT>
+                    <a:lnB w="12700" cap="flat" cmpd="sng" algn="ctr">
+                      <a:solidFill>
+                        <a:schemeClr val="tx1"/>
+                      </a:solidFill>
+                      <a:prstDash val="solid"/>
+                      <a:round/>
+                      <a:headEnd type="none" w="med" len="med"/>
+                      <a:tailEnd type="none" w="med" len="med"/>
+                    </a:lnB>
+                    <a:lnTlToBr w="12700" cmpd="sng">
+                      <a:noFill/>
+                      <a:prstDash val="solid"/>
+                    </a:lnTlToBr>
+                    <a:lnBlToTr w="12700" cmpd="sng">
+                      <a:noFill/>
+                      <a:prstDash val="solid"/>
+                    </a:lnBlToTr>
+                    <a:noFill/>
+                  </a:tcPr>
+                </a:tc>
+                <a:tc>
+                  <a:txBody>
+                    <a:bodyPr/>
+                    <a:lstStyle/>
+                    <a:p>
+                      <a:pPr algn="ctr"/>
+                      <a:r>
+                        <a:rPr lang="en-US" b="0" dirty="0">
+                          <a:solidFill>
+                            <a:sysClr val="windowText" lastClr="000000"/>
+                          </a:solidFill>
+                        </a:rPr>
+                        <a:t>15</a:t>
+                      </a:r>
+                    </a:p>
+                  </a:txBody>
+                  <a:tcPr>
+                    <a:lnL w="12700" cap="flat" cmpd="sng" algn="ctr">
+                      <a:solidFill>
+                        <a:schemeClr val="tx1"/>
+                      </a:solidFill>
+                      <a:prstDash val="solid"/>
+                      <a:round/>
+                      <a:headEnd type="none" w="med" len="med"/>
+                      <a:tailEnd type="none" w="med" len="med"/>
+                    </a:lnL>
+                    <a:lnR w="12700" cap="flat" cmpd="sng" algn="ctr">
+                      <a:solidFill>
+                        <a:schemeClr val="tx1"/>
+                      </a:solidFill>
+                      <a:prstDash val="solid"/>
+                      <a:round/>
+                      <a:headEnd type="none" w="med" len="med"/>
+                      <a:tailEnd type="none" w="med" len="med"/>
+                    </a:lnR>
+                    <a:lnT w="12700" cap="flat" cmpd="sng" algn="ctr">
+                      <a:solidFill>
+                        <a:schemeClr val="tx1"/>
+                      </a:solidFill>
+                      <a:prstDash val="solid"/>
+                      <a:round/>
+                      <a:headEnd type="none" w="med" len="med"/>
+                      <a:tailEnd type="none" w="med" len="med"/>
+                    </a:lnT>
+                    <a:lnB w="12700" cap="flat" cmpd="sng" algn="ctr">
+                      <a:solidFill>
+                        <a:schemeClr val="tx1"/>
+                      </a:solidFill>
+                      <a:prstDash val="solid"/>
+                      <a:round/>
+                      <a:headEnd type="none" w="med" len="med"/>
+                      <a:tailEnd type="none" w="med" len="med"/>
+                    </a:lnB>
+                    <a:lnTlToBr w="12700" cmpd="sng">
+                      <a:noFill/>
+                      <a:prstDash val="solid"/>
+                    </a:lnTlToBr>
+                    <a:lnBlToTr w="12700" cmpd="sng">
+                      <a:noFill/>
+                      <a:prstDash val="solid"/>
+                    </a:lnBlToTr>
+                    <a:noFill/>
+                  </a:tcPr>
+                </a:tc>
+                <a:tc>
+                  <a:txBody>
+                    <a:bodyPr/>
+                    <a:lstStyle/>
+                    <a:p>
+                      <a:pPr algn="ctr"/>
+                      <a:r>
+                        <a:rPr lang="en-US" b="0" dirty="0">
+                          <a:solidFill>
+                            <a:sysClr val="windowText" lastClr="000000"/>
+                          </a:solidFill>
+                        </a:rPr>
+                        <a:t>22</a:t>
+                      </a:r>
+                    </a:p>
+                  </a:txBody>
+                  <a:tcPr>
+                    <a:lnL w="12700" cap="flat" cmpd="sng" algn="ctr">
+                      <a:solidFill>
+                        <a:schemeClr val="tx1"/>
+                      </a:solidFill>
+                      <a:prstDash val="solid"/>
+                      <a:round/>
+                      <a:headEnd type="none" w="med" len="med"/>
+                      <a:tailEnd type="none" w="med" len="med"/>
+                    </a:lnL>
+                    <a:lnR w="12700" cap="flat" cmpd="sng" algn="ctr">
+                      <a:solidFill>
+                        <a:schemeClr val="tx1"/>
+                      </a:solidFill>
+                      <a:prstDash val="solid"/>
+                      <a:round/>
+                      <a:headEnd type="none" w="med" len="med"/>
+                      <a:tailEnd type="none" w="med" len="med"/>
+                    </a:lnR>
+                    <a:lnT w="12700" cap="flat" cmpd="sng" algn="ctr">
+                      <a:solidFill>
+                        <a:schemeClr val="tx1"/>
+                      </a:solidFill>
+                      <a:prstDash val="solid"/>
+                      <a:round/>
+                      <a:headEnd type="none" w="med" len="med"/>
+                      <a:tailEnd type="none" w="med" len="med"/>
+                    </a:lnT>
+                    <a:lnB w="12700" cap="flat" cmpd="sng" algn="ctr">
+                      <a:solidFill>
+                        <a:schemeClr val="tx1"/>
+                      </a:solidFill>
+                      <a:prstDash val="solid"/>
+                      <a:round/>
+                      <a:headEnd type="none" w="med" len="med"/>
+                      <a:tailEnd type="none" w="med" len="med"/>
+                    </a:lnB>
+                    <a:lnTlToBr w="12700" cmpd="sng">
+                      <a:noFill/>
+                      <a:prstDash val="solid"/>
+                    </a:lnTlToBr>
+                    <a:lnBlToTr w="12700" cmpd="sng">
+                      <a:noFill/>
+                      <a:prstDash val="solid"/>
+                    </a:lnBlToTr>
+                    <a:noFill/>
+                  </a:tcPr>
+                </a:tc>
+                <a:tc>
+                  <a:txBody>
+                    <a:bodyPr/>
+                    <a:lstStyle/>
+                    <a:p>
+                      <a:pPr algn="ctr"/>
+                      <a:r>
+                        <a:rPr lang="en-US" b="0" dirty="0">
+                          <a:solidFill>
+                            <a:sysClr val="windowText" lastClr="000000"/>
+                          </a:solidFill>
+                        </a:rPr>
+                        <a:t>30</a:t>
+                      </a:r>
+                    </a:p>
+                  </a:txBody>
+                  <a:tcPr>
+                    <a:lnL w="12700" cap="flat" cmpd="sng" algn="ctr">
+                      <a:solidFill>
+                        <a:schemeClr val="tx1"/>
+                      </a:solidFill>
+                      <a:prstDash val="solid"/>
+                      <a:round/>
+                      <a:headEnd type="none" w="med" len="med"/>
+                      <a:tailEnd type="none" w="med" len="med"/>
+                    </a:lnL>
+                    <a:lnR w="12700" cap="flat" cmpd="sng" algn="ctr">
+                      <a:solidFill>
+                        <a:schemeClr val="tx1"/>
+                      </a:solidFill>
+                      <a:prstDash val="solid"/>
+                      <a:round/>
+                      <a:headEnd type="none" w="med" len="med"/>
+                      <a:tailEnd type="none" w="med" len="med"/>
+                    </a:lnR>
+                    <a:lnT w="12700" cap="flat" cmpd="sng" algn="ctr">
+                      <a:solidFill>
+                        <a:schemeClr val="tx1"/>
+                      </a:solidFill>
+                      <a:prstDash val="solid"/>
+                      <a:round/>
+                      <a:headEnd type="none" w="med" len="med"/>
+                      <a:tailEnd type="none" w="med" len="med"/>
+                    </a:lnT>
+                    <a:lnB w="12700" cap="flat" cmpd="sng" algn="ctr">
+                      <a:solidFill>
+                        <a:schemeClr val="tx1"/>
+                      </a:solidFill>
+                      <a:prstDash val="solid"/>
+                      <a:round/>
+                      <a:headEnd type="none" w="med" len="med"/>
+                      <a:tailEnd type="none" w="med" len="med"/>
+                    </a:lnB>
+                    <a:lnTlToBr w="12700" cmpd="sng">
+                      <a:noFill/>
+                      <a:prstDash val="solid"/>
+                    </a:lnTlToBr>
+                    <a:lnBlToTr w="12700" cmpd="sng">
+                      <a:noFill/>
+                      <a:prstDash val="solid"/>
+                    </a:lnBlToTr>
+                    <a:noFill/>
+                  </a:tcPr>
+                </a:tc>
+                <a:tc>
+                  <a:txBody>
+                    <a:bodyPr/>
+                    <a:lstStyle/>
+                    <a:p>
+                      <a:pPr algn="ctr"/>
+                      <a:r>
+                        <a:rPr lang="en-US" b="0" dirty="0">
+                          <a:solidFill>
+                            <a:sysClr val="windowText" lastClr="000000"/>
+                          </a:solidFill>
+                        </a:rPr>
+                        <a:t>18</a:t>
+                      </a:r>
+                    </a:p>
+                  </a:txBody>
+                  <a:tcPr>
+                    <a:lnL w="12700" cap="flat" cmpd="sng" algn="ctr">
+                      <a:solidFill>
+                        <a:schemeClr val="tx1"/>
+                      </a:solidFill>
+                      <a:prstDash val="solid"/>
+                      <a:round/>
+                      <a:headEnd type="none" w="med" len="med"/>
+                      <a:tailEnd type="none" w="med" len="med"/>
+                    </a:lnL>
+                    <a:lnR w="12700" cap="flat" cmpd="sng" algn="ctr">
+                      <a:solidFill>
+                        <a:schemeClr val="tx1"/>
+                      </a:solidFill>
+                      <a:prstDash val="solid"/>
+                      <a:round/>
+                      <a:headEnd type="none" w="med" len="med"/>
+                      <a:tailEnd type="none" w="med" len="med"/>
+                    </a:lnR>
+                    <a:lnT w="12700" cap="flat" cmpd="sng" algn="ctr">
+                      <a:solidFill>
+                        <a:schemeClr val="tx1"/>
+                      </a:solidFill>
+                      <a:prstDash val="solid"/>
+                      <a:round/>
+                      <a:headEnd type="none" w="med" len="med"/>
+                      <a:tailEnd type="none" w="med" len="med"/>
+                    </a:lnT>
+                    <a:lnB w="12700" cap="flat" cmpd="sng" algn="ctr">
+                      <a:solidFill>
+                        <a:schemeClr val="tx1"/>
+                      </a:solidFill>
+                      <a:prstDash val="solid"/>
+                      <a:round/>
+                      <a:headEnd type="none" w="med" len="med"/>
+                      <a:tailEnd type="none" w="med" len="med"/>
+                    </a:lnB>
+                    <a:lnTlToBr w="12700" cmpd="sng">
+                      <a:noFill/>
+                      <a:prstDash val="solid"/>
+                    </a:lnTlToBr>
+                    <a:lnBlToTr w="12700" cmpd="sng">
+                      <a:noFill/>
+                      <a:prstDash val="solid"/>
+                    </a:lnBlToTr>
+                    <a:noFill/>
+                  </a:tcPr>
+                </a:tc>
+                <a:tc>
+                  <a:txBody>
+                    <a:bodyPr/>
+                    <a:lstStyle/>
+                    <a:p>
+                      <a:pPr algn="ctr"/>
+                      <a:r>
+                        <a:rPr lang="en-US" b="0" dirty="0">
+                          <a:solidFill>
+                            <a:sysClr val="windowText" lastClr="000000"/>
+                          </a:solidFill>
+                        </a:rPr>
+                        <a:t>12</a:t>
+                      </a:r>
+                    </a:p>
+                  </a:txBody>
+                  <a:tcPr>
+                    <a:lnL w="12700" cap="flat" cmpd="sng" algn="ctr">
+                      <a:solidFill>
+                        <a:schemeClr val="tx1"/>
+                      </a:solidFill>
+                      <a:prstDash val="solid"/>
+                      <a:round/>
+                      <a:headEnd type="none" w="med" len="med"/>
+                      <a:tailEnd type="none" w="med" len="med"/>
+                    </a:lnL>
+                    <a:lnR w="12700" cap="flat" cmpd="sng" algn="ctr">
+                      <a:solidFill>
+                        <a:schemeClr val="tx1"/>
+                      </a:solidFill>
+                      <a:prstDash val="solid"/>
+                      <a:round/>
+                      <a:headEnd type="none" w="med" len="med"/>
+                      <a:tailEnd type="none" w="med" len="med"/>
+                    </a:lnR>
+                    <a:lnT w="12700" cap="flat" cmpd="sng" algn="ctr">
+                      <a:solidFill>
+                        <a:schemeClr val="tx1"/>
+                      </a:solidFill>
+                      <a:prstDash val="solid"/>
+                      <a:round/>
+                      <a:headEnd type="none" w="med" len="med"/>
+                      <a:tailEnd type="none" w="med" len="med"/>
+                    </a:lnT>
+                    <a:lnB w="12700" cap="flat" cmpd="sng" algn="ctr">
+                      <a:solidFill>
+                        <a:schemeClr val="tx1"/>
+                      </a:solidFill>
+                      <a:prstDash val="solid"/>
+                      <a:round/>
+                      <a:headEnd type="none" w="med" len="med"/>
+                      <a:tailEnd type="none" w="med" len="med"/>
+                    </a:lnB>
+                    <a:lnTlToBr w="12700" cmpd="sng">
+                      <a:noFill/>
+                      <a:prstDash val="solid"/>
+                    </a:lnTlToBr>
+                    <a:lnBlToTr w="12700" cmpd="sng">
+                      <a:noFill/>
+                      <a:prstDash val="solid"/>
+                    </a:lnBlToTr>
+                    <a:noFill/>
+                  </a:tcPr>
+                </a:tc>
+                <a:tc>
+                  <a:txBody>
+                    <a:bodyPr/>
+                    <a:lstStyle/>
+                    <a:p>
+                      <a:pPr algn="ctr"/>
+                      <a:r>
+                        <a:rPr lang="en-US" b="0" dirty="0">
+                          <a:solidFill>
+                            <a:sysClr val="windowText" lastClr="000000"/>
+                          </a:solidFill>
+                        </a:rPr>
+                        <a:t>7</a:t>
+                      </a:r>
+                    </a:p>
+                  </a:txBody>
+                  <a:tcPr>
+                    <a:lnL w="12700" cap="flat" cmpd="sng" algn="ctr">
+                      <a:solidFill>
+                        <a:schemeClr val="tx1"/>
+                      </a:solidFill>
+                      <a:prstDash val="solid"/>
+                      <a:round/>
+                      <a:headEnd type="none" w="med" len="med"/>
+                      <a:tailEnd type="none" w="med" len="med"/>
+                    </a:lnL>
+                    <a:lnR w="12700" cap="flat" cmpd="sng" algn="ctr">
+                      <a:solidFill>
+                        <a:schemeClr val="tx1"/>
+                      </a:solidFill>
+                      <a:prstDash val="solid"/>
+                      <a:round/>
+                      <a:headEnd type="none" w="med" len="med"/>
+                      <a:tailEnd type="none" w="med" len="med"/>
+                    </a:lnR>
+                    <a:lnT w="12700" cap="flat" cmpd="sng" algn="ctr">
+                      <a:solidFill>
+                        <a:schemeClr val="tx1"/>
+                      </a:solidFill>
+                      <a:prstDash val="solid"/>
+                      <a:round/>
+                      <a:headEnd type="none" w="med" len="med"/>
+                      <a:tailEnd type="none" w="med" len="med"/>
+                    </a:lnT>
+                    <a:lnB w="12700" cap="flat" cmpd="sng" algn="ctr">
+                      <a:solidFill>
+                        <a:schemeClr val="tx1"/>
+                      </a:solidFill>
+                      <a:prstDash val="solid"/>
+                      <a:round/>
+                      <a:headEnd type="none" w="med" len="med"/>
+                      <a:tailEnd type="none" w="med" len="med"/>
+                    </a:lnB>
+                    <a:lnTlToBr w="12700" cmpd="sng">
+                      <a:noFill/>
+                      <a:prstDash val="solid"/>
+                    </a:lnTlToBr>
+                    <a:lnBlToTr w="12700" cmpd="sng">
+                      <a:noFill/>
+                      <a:prstDash val="solid"/>
+                    </a:lnBlToTr>
+                    <a:noFill/>
+                  </a:tcPr>
+                </a:tc>
+                <a:extLst>
+                  <a:ext uri="{0D108BD9-81ED-4DB2-BD59-A6C34878D82A}">
+                    <a16:rowId xmlns:a16="http://schemas.microsoft.com/office/drawing/2014/main" val="294119443"/>
+                  </a:ext>
+                </a:extLst>
+              </a:tr>
+            </a:tbl>
+          </a:graphicData>
+        </a:graphic>
+      </p:graphicFrame>
+      <p:sp>
+        <p:nvSpPr>
+          <p:cNvPr id="6" name="TextBox 5">
+            <a:extLst>
+              <a:ext uri="{FF2B5EF4-FFF2-40B4-BE49-F238E27FC236}">
+                <a16:creationId xmlns:a16="http://schemas.microsoft.com/office/drawing/2014/main" id="{F8B02CE7-54CD-2171-B2CD-061469EF4999}"/>
+              </a:ext>
+            </a:extLst>
+          </p:cNvPr>
+          <p:cNvSpPr txBox="1"/>
+          <p:nvPr/>
+        </p:nvSpPr>
+        <p:spPr>
+          <a:xfrm>
+            <a:off x="1283817" y="4371072"/>
+            <a:ext cx="12213599" cy="523220"/>
+          </a:xfrm>
+          <a:custGeom>
+            <a:avLst/>
+            <a:gdLst>
+              <a:gd name="connsiteX0" fmla="*/ 0 w 12213599"/>
+              <a:gd name="connsiteY0" fmla="*/ 0 h 523220"/>
+              <a:gd name="connsiteX1" fmla="*/ 556397 w 12213599"/>
+              <a:gd name="connsiteY1" fmla="*/ 0 h 523220"/>
+              <a:gd name="connsiteX2" fmla="*/ 868523 w 12213599"/>
+              <a:gd name="connsiteY2" fmla="*/ 0 h 523220"/>
+              <a:gd name="connsiteX3" fmla="*/ 1669192 w 12213599"/>
+              <a:gd name="connsiteY3" fmla="*/ 0 h 523220"/>
+              <a:gd name="connsiteX4" fmla="*/ 2591997 w 12213599"/>
+              <a:gd name="connsiteY4" fmla="*/ 0 h 523220"/>
+              <a:gd name="connsiteX5" fmla="*/ 3392666 w 12213599"/>
+              <a:gd name="connsiteY5" fmla="*/ 0 h 523220"/>
+              <a:gd name="connsiteX6" fmla="*/ 4193336 w 12213599"/>
+              <a:gd name="connsiteY6" fmla="*/ 0 h 523220"/>
+              <a:gd name="connsiteX7" fmla="*/ 4749733 w 12213599"/>
+              <a:gd name="connsiteY7" fmla="*/ 0 h 523220"/>
+              <a:gd name="connsiteX8" fmla="*/ 5550402 w 12213599"/>
+              <a:gd name="connsiteY8" fmla="*/ 0 h 523220"/>
+              <a:gd name="connsiteX9" fmla="*/ 6106799 w 12213599"/>
+              <a:gd name="connsiteY9" fmla="*/ 0 h 523220"/>
+              <a:gd name="connsiteX10" fmla="*/ 7029605 w 12213599"/>
+              <a:gd name="connsiteY10" fmla="*/ 0 h 523220"/>
+              <a:gd name="connsiteX11" fmla="*/ 7830274 w 12213599"/>
+              <a:gd name="connsiteY11" fmla="*/ 0 h 523220"/>
+              <a:gd name="connsiteX12" fmla="*/ 8508807 w 12213599"/>
+              <a:gd name="connsiteY12" fmla="*/ 0 h 523220"/>
+              <a:gd name="connsiteX13" fmla="*/ 9309477 w 12213599"/>
+              <a:gd name="connsiteY13" fmla="*/ 0 h 523220"/>
+              <a:gd name="connsiteX14" fmla="*/ 9743738 w 12213599"/>
+              <a:gd name="connsiteY14" fmla="*/ 0 h 523220"/>
+              <a:gd name="connsiteX15" fmla="*/ 10422271 w 12213599"/>
+              <a:gd name="connsiteY15" fmla="*/ 0 h 523220"/>
+              <a:gd name="connsiteX16" fmla="*/ 11345076 w 12213599"/>
+              <a:gd name="connsiteY16" fmla="*/ 0 h 523220"/>
+              <a:gd name="connsiteX17" fmla="*/ 12213599 w 12213599"/>
+              <a:gd name="connsiteY17" fmla="*/ 0 h 523220"/>
+              <a:gd name="connsiteX18" fmla="*/ 12213599 w 12213599"/>
+              <a:gd name="connsiteY18" fmla="*/ 523220 h 523220"/>
+              <a:gd name="connsiteX19" fmla="*/ 11779338 w 12213599"/>
+              <a:gd name="connsiteY19" fmla="*/ 523220 h 523220"/>
+              <a:gd name="connsiteX20" fmla="*/ 11222940 w 12213599"/>
+              <a:gd name="connsiteY20" fmla="*/ 523220 h 523220"/>
+              <a:gd name="connsiteX21" fmla="*/ 10666543 w 12213599"/>
+              <a:gd name="connsiteY21" fmla="*/ 523220 h 523220"/>
+              <a:gd name="connsiteX22" fmla="*/ 10110146 w 12213599"/>
+              <a:gd name="connsiteY22" fmla="*/ 523220 h 523220"/>
+              <a:gd name="connsiteX23" fmla="*/ 9309477 w 12213599"/>
+              <a:gd name="connsiteY23" fmla="*/ 523220 h 523220"/>
+              <a:gd name="connsiteX24" fmla="*/ 8630943 w 12213599"/>
+              <a:gd name="connsiteY24" fmla="*/ 523220 h 523220"/>
+              <a:gd name="connsiteX25" fmla="*/ 8318818 w 12213599"/>
+              <a:gd name="connsiteY25" fmla="*/ 523220 h 523220"/>
+              <a:gd name="connsiteX26" fmla="*/ 7762421 w 12213599"/>
+              <a:gd name="connsiteY26" fmla="*/ 523220 h 523220"/>
+              <a:gd name="connsiteX27" fmla="*/ 6961751 w 12213599"/>
+              <a:gd name="connsiteY27" fmla="*/ 523220 h 523220"/>
+              <a:gd name="connsiteX28" fmla="*/ 6161082 w 12213599"/>
+              <a:gd name="connsiteY28" fmla="*/ 523220 h 523220"/>
+              <a:gd name="connsiteX29" fmla="*/ 5726821 w 12213599"/>
+              <a:gd name="connsiteY29" fmla="*/ 523220 h 523220"/>
+              <a:gd name="connsiteX30" fmla="*/ 4926152 w 12213599"/>
+              <a:gd name="connsiteY30" fmla="*/ 523220 h 523220"/>
+              <a:gd name="connsiteX31" fmla="*/ 4614026 w 12213599"/>
+              <a:gd name="connsiteY31" fmla="*/ 523220 h 523220"/>
+              <a:gd name="connsiteX32" fmla="*/ 4057629 w 12213599"/>
+              <a:gd name="connsiteY32" fmla="*/ 523220 h 523220"/>
+              <a:gd name="connsiteX33" fmla="*/ 3379096 w 12213599"/>
+              <a:gd name="connsiteY33" fmla="*/ 523220 h 523220"/>
+              <a:gd name="connsiteX34" fmla="*/ 3066970 w 12213599"/>
+              <a:gd name="connsiteY34" fmla="*/ 523220 h 523220"/>
+              <a:gd name="connsiteX35" fmla="*/ 2510573 w 12213599"/>
+              <a:gd name="connsiteY35" fmla="*/ 523220 h 523220"/>
+              <a:gd name="connsiteX36" fmla="*/ 2198448 w 12213599"/>
+              <a:gd name="connsiteY36" fmla="*/ 523220 h 523220"/>
+              <a:gd name="connsiteX37" fmla="*/ 1397779 w 12213599"/>
+              <a:gd name="connsiteY37" fmla="*/ 523220 h 523220"/>
+              <a:gd name="connsiteX38" fmla="*/ 841381 w 12213599"/>
+              <a:gd name="connsiteY38" fmla="*/ 523220 h 523220"/>
+              <a:gd name="connsiteX39" fmla="*/ 0 w 12213599"/>
+              <a:gd name="connsiteY39" fmla="*/ 523220 h 523220"/>
+              <a:gd name="connsiteX40" fmla="*/ 0 w 12213599"/>
+              <a:gd name="connsiteY40" fmla="*/ 0 h 523220"/>
+            </a:gdLst>
+            <a:ahLst/>
+            <a:cxnLst>
+              <a:cxn ang="0">
+                <a:pos x="connsiteX0" y="connsiteY0"/>
+              </a:cxn>
+              <a:cxn ang="0">
+                <a:pos x="connsiteX1" y="connsiteY1"/>
+              </a:cxn>
+              <a:cxn ang="0">
+                <a:pos x="connsiteX2" y="connsiteY2"/>
+              </a:cxn>
+              <a:cxn ang="0">
+                <a:pos x="connsiteX3" y="connsiteY3"/>
+              </a:cxn>
+              <a:cxn ang="0">
+                <a:pos x="connsiteX4" y="connsiteY4"/>
+              </a:cxn>
+              <a:cxn ang="0">
+                <a:pos x="connsiteX5" y="connsiteY5"/>
+              </a:cxn>
+              <a:cxn ang="0">
+                <a:pos x="connsiteX6" y="connsiteY6"/>
+              </a:cxn>
+              <a:cxn ang="0">
+                <a:pos x="connsiteX7" y="connsiteY7"/>
+              </a:cxn>
+              <a:cxn ang="0">
+                <a:pos x="connsiteX8" y="connsiteY8"/>
+              </a:cxn>
+              <a:cxn ang="0">
+                <a:pos x="connsiteX9" y="connsiteY9"/>
+              </a:cxn>
+              <a:cxn ang="0">
+                <a:pos x="connsiteX10" y="connsiteY10"/>
+              </a:cxn>
+              <a:cxn ang="0">
+                <a:pos x="connsiteX11" y="connsiteY11"/>
+              </a:cxn>
+              <a:cxn ang="0">
+                <a:pos x="connsiteX12" y="connsiteY12"/>
+              </a:cxn>
+              <a:cxn ang="0">
+                <a:pos x="connsiteX13" y="connsiteY13"/>
+              </a:cxn>
+              <a:cxn ang="0">
+                <a:pos x="connsiteX14" y="connsiteY14"/>
+              </a:cxn>
+              <a:cxn ang="0">
+                <a:pos x="connsiteX15" y="connsiteY15"/>
+              </a:cxn>
+              <a:cxn ang="0">
+                <a:pos x="connsiteX16" y="connsiteY16"/>
+              </a:cxn>
+              <a:cxn ang="0">
+                <a:pos x="connsiteX17" y="connsiteY17"/>
+              </a:cxn>
+              <a:cxn ang="0">
+                <a:pos x="connsiteX18" y="connsiteY18"/>
+              </a:cxn>
+              <a:cxn ang="0">
+                <a:pos x="connsiteX19" y="connsiteY19"/>
+              </a:cxn>
+              <a:cxn ang="0">
+                <a:pos x="connsiteX20" y="connsiteY20"/>
+              </a:cxn>
+              <a:cxn ang="0">
+                <a:pos x="connsiteX21" y="connsiteY21"/>
+              </a:cxn>
+              <a:cxn ang="0">
+                <a:pos x="connsiteX22" y="connsiteY22"/>
+              </a:cxn>
+              <a:cxn ang="0">
+                <a:pos x="connsiteX23" y="connsiteY23"/>
+              </a:cxn>
+              <a:cxn ang="0">
+                <a:pos x="connsiteX24" y="connsiteY24"/>
+              </a:cxn>
+              <a:cxn ang="0">
+                <a:pos x="connsiteX25" y="connsiteY25"/>
+              </a:cxn>
+              <a:cxn ang="0">
+                <a:pos x="connsiteX26" y="connsiteY26"/>
+              </a:cxn>
+              <a:cxn ang="0">
+                <a:pos x="connsiteX27" y="connsiteY27"/>
+              </a:cxn>
+              <a:cxn ang="0">
+                <a:pos x="connsiteX28" y="connsiteY28"/>
+              </a:cxn>
+              <a:cxn ang="0">
+                <a:pos x="connsiteX29" y="connsiteY29"/>
+              </a:cxn>
+              <a:cxn ang="0">
+                <a:pos x="connsiteX30" y="connsiteY30"/>
+              </a:cxn>
+              <a:cxn ang="0">
+                <a:pos x="connsiteX31" y="connsiteY31"/>
+              </a:cxn>
+              <a:cxn ang="0">
+                <a:pos x="connsiteX32" y="connsiteY32"/>
+              </a:cxn>
+              <a:cxn ang="0">
+                <a:pos x="connsiteX33" y="connsiteY33"/>
+              </a:cxn>
+              <a:cxn ang="0">
+                <a:pos x="connsiteX34" y="connsiteY34"/>
+              </a:cxn>
+              <a:cxn ang="0">
+                <a:pos x="connsiteX35" y="connsiteY35"/>
+              </a:cxn>
+              <a:cxn ang="0">
+                <a:pos x="connsiteX36" y="connsiteY36"/>
+              </a:cxn>
+              <a:cxn ang="0">
+                <a:pos x="connsiteX37" y="connsiteY37"/>
+              </a:cxn>
+              <a:cxn ang="0">
+                <a:pos x="connsiteX38" y="connsiteY38"/>
+              </a:cxn>
+              <a:cxn ang="0">
+                <a:pos x="connsiteX39" y="connsiteY39"/>
+              </a:cxn>
+              <a:cxn ang="0">
+                <a:pos x="connsiteX40" y="connsiteY40"/>
+              </a:cxn>
+            </a:cxnLst>
+            <a:rect l="l" t="t" r="r" b="b"/>
+            <a:pathLst>
+              <a:path w="12213599" h="523220" fill="none" extrusionOk="0">
+                <a:moveTo>
+                  <a:pt x="0" y="0"/>
+                </a:moveTo>
+                <a:cubicBezTo>
+                  <a:pt x="196795" y="-1392"/>
+                  <a:pt x="322177" y="23491"/>
+                  <a:pt x="556397" y="0"/>
+                </a:cubicBezTo>
+                <a:cubicBezTo>
+                  <a:pt x="790617" y="-23491"/>
+                  <a:pt x="785170" y="-1415"/>
+                  <a:pt x="868523" y="0"/>
+                </a:cubicBezTo>
+                <a:cubicBezTo>
+                  <a:pt x="951876" y="1415"/>
+                  <a:pt x="1347994" y="1348"/>
+                  <a:pt x="1669192" y="0"/>
+                </a:cubicBezTo>
+                <a:cubicBezTo>
+                  <a:pt x="1990390" y="-1348"/>
+                  <a:pt x="2219268" y="40060"/>
+                  <a:pt x="2591997" y="0"/>
+                </a:cubicBezTo>
+                <a:cubicBezTo>
+                  <a:pt x="2964727" y="-40060"/>
+                  <a:pt x="3127745" y="8337"/>
+                  <a:pt x="3392666" y="0"/>
+                </a:cubicBezTo>
+                <a:cubicBezTo>
+                  <a:pt x="3657587" y="-8337"/>
+                  <a:pt x="3871208" y="33616"/>
+                  <a:pt x="4193336" y="0"/>
+                </a:cubicBezTo>
+                <a:cubicBezTo>
+                  <a:pt x="4515464" y="-33616"/>
+                  <a:pt x="4494725" y="4300"/>
+                  <a:pt x="4749733" y="0"/>
+                </a:cubicBezTo>
+                <a:cubicBezTo>
+                  <a:pt x="5004741" y="-4300"/>
+                  <a:pt x="5254035" y="29955"/>
+                  <a:pt x="5550402" y="0"/>
+                </a:cubicBezTo>
+                <a:cubicBezTo>
+                  <a:pt x="5846769" y="-29955"/>
+                  <a:pt x="5915770" y="-22089"/>
+                  <a:pt x="6106799" y="0"/>
+                </a:cubicBezTo>
+                <a:cubicBezTo>
+                  <a:pt x="6297828" y="22089"/>
+                  <a:pt x="6767488" y="5405"/>
+                  <a:pt x="7029605" y="0"/>
+                </a:cubicBezTo>
+                <a:cubicBezTo>
+                  <a:pt x="7291722" y="-5405"/>
+                  <a:pt x="7521828" y="32710"/>
+                  <a:pt x="7830274" y="0"/>
+                </a:cubicBezTo>
+                <a:cubicBezTo>
+                  <a:pt x="8138720" y="-32710"/>
+                  <a:pt x="8182346" y="-26723"/>
+                  <a:pt x="8508807" y="0"/>
+                </a:cubicBezTo>
+                <a:cubicBezTo>
+                  <a:pt x="8835268" y="26723"/>
+                  <a:pt x="8991540" y="-5174"/>
+                  <a:pt x="9309477" y="0"/>
+                </a:cubicBezTo>
+                <a:cubicBezTo>
+                  <a:pt x="9627414" y="5174"/>
+                  <a:pt x="9614278" y="6476"/>
+                  <a:pt x="9743738" y="0"/>
+                </a:cubicBezTo>
+                <a:cubicBezTo>
+                  <a:pt x="9873198" y="-6476"/>
+                  <a:pt x="10222393" y="-4057"/>
+                  <a:pt x="10422271" y="0"/>
+                </a:cubicBezTo>
+                <a:cubicBezTo>
+                  <a:pt x="10622149" y="4057"/>
+                  <a:pt x="10893778" y="34936"/>
+                  <a:pt x="11345076" y="0"/>
+                </a:cubicBezTo>
+                <a:cubicBezTo>
+                  <a:pt x="11796375" y="-34936"/>
+                  <a:pt x="11960044" y="-11369"/>
+                  <a:pt x="12213599" y="0"/>
+                </a:cubicBezTo>
+                <a:cubicBezTo>
+                  <a:pt x="12218485" y="231361"/>
+                  <a:pt x="12228182" y="409337"/>
+                  <a:pt x="12213599" y="523220"/>
+                </a:cubicBezTo>
+                <a:cubicBezTo>
+                  <a:pt x="12030180" y="540175"/>
+                  <a:pt x="11989224" y="502236"/>
+                  <a:pt x="11779338" y="523220"/>
+                </a:cubicBezTo>
+                <a:cubicBezTo>
+                  <a:pt x="11569453" y="544204"/>
+                  <a:pt x="11452419" y="509254"/>
+                  <a:pt x="11222940" y="523220"/>
+                </a:cubicBezTo>
+                <a:cubicBezTo>
+                  <a:pt x="10993461" y="537186"/>
+                  <a:pt x="10810618" y="537170"/>
+                  <a:pt x="10666543" y="523220"/>
+                </a:cubicBezTo>
+                <a:cubicBezTo>
+                  <a:pt x="10522468" y="509270"/>
+                  <a:pt x="10255953" y="528926"/>
+                  <a:pt x="10110146" y="523220"/>
+                </a:cubicBezTo>
+                <a:cubicBezTo>
+                  <a:pt x="9964339" y="517514"/>
+                  <a:pt x="9494269" y="521877"/>
+                  <a:pt x="9309477" y="523220"/>
+                </a:cubicBezTo>
+                <a:cubicBezTo>
+                  <a:pt x="9124685" y="524563"/>
+                  <a:pt x="8794773" y="544271"/>
+                  <a:pt x="8630943" y="523220"/>
+                </a:cubicBezTo>
+                <a:cubicBezTo>
+                  <a:pt x="8467113" y="502169"/>
+                  <a:pt x="8458894" y="517295"/>
+                  <a:pt x="8318818" y="523220"/>
+                </a:cubicBezTo>
+                <a:cubicBezTo>
+                  <a:pt x="8178742" y="529145"/>
+                  <a:pt x="7968202" y="530771"/>
+                  <a:pt x="7762421" y="523220"/>
+                </a:cubicBezTo>
+                <a:cubicBezTo>
+                  <a:pt x="7556640" y="515669"/>
+                  <a:pt x="7276443" y="558326"/>
+                  <a:pt x="6961751" y="523220"/>
+                </a:cubicBezTo>
+                <a:cubicBezTo>
+                  <a:pt x="6647059" y="488115"/>
+                  <a:pt x="6484312" y="536139"/>
+                  <a:pt x="6161082" y="523220"/>
+                </a:cubicBezTo>
+                <a:cubicBezTo>
+                  <a:pt x="5837852" y="510301"/>
+                  <a:pt x="5940937" y="514365"/>
+                  <a:pt x="5726821" y="523220"/>
+                </a:cubicBezTo>
+                <a:cubicBezTo>
+                  <a:pt x="5512705" y="532075"/>
+                  <a:pt x="5242705" y="521621"/>
+                  <a:pt x="4926152" y="523220"/>
+                </a:cubicBezTo>
+                <a:cubicBezTo>
+                  <a:pt x="4609599" y="524819"/>
+                  <a:pt x="4715204" y="522840"/>
+                  <a:pt x="4614026" y="523220"/>
+                </a:cubicBezTo>
+                <a:cubicBezTo>
+                  <a:pt x="4512848" y="523600"/>
+                  <a:pt x="4215545" y="523033"/>
+                  <a:pt x="4057629" y="523220"/>
+                </a:cubicBezTo>
+                <a:cubicBezTo>
+                  <a:pt x="3899713" y="523407"/>
+                  <a:pt x="3583857" y="528993"/>
+                  <a:pt x="3379096" y="523220"/>
+                </a:cubicBezTo>
+                <a:cubicBezTo>
+                  <a:pt x="3174335" y="517447"/>
+                  <a:pt x="3158785" y="507814"/>
+                  <a:pt x="3066970" y="523220"/>
+                </a:cubicBezTo>
+                <a:cubicBezTo>
+                  <a:pt x="2975155" y="538626"/>
+                  <a:pt x="2722656" y="540150"/>
+                  <a:pt x="2510573" y="523220"/>
+                </a:cubicBezTo>
+                <a:cubicBezTo>
+                  <a:pt x="2298490" y="506290"/>
+                  <a:pt x="2262750" y="526647"/>
+                  <a:pt x="2198448" y="523220"/>
+                </a:cubicBezTo>
+                <a:cubicBezTo>
+                  <a:pt x="2134147" y="519793"/>
+                  <a:pt x="1725742" y="531951"/>
+                  <a:pt x="1397779" y="523220"/>
+                </a:cubicBezTo>
+                <a:cubicBezTo>
+                  <a:pt x="1069816" y="514489"/>
+                  <a:pt x="1080567" y="519311"/>
+                  <a:pt x="841381" y="523220"/>
+                </a:cubicBezTo>
+                <a:cubicBezTo>
+                  <a:pt x="602195" y="527129"/>
+                  <a:pt x="265716" y="498995"/>
+                  <a:pt x="0" y="523220"/>
+                </a:cubicBezTo>
+                <a:cubicBezTo>
+                  <a:pt x="21217" y="387436"/>
+                  <a:pt x="16440" y="184953"/>
+                  <a:pt x="0" y="0"/>
+                </a:cubicBezTo>
+                <a:close/>
+              </a:path>
+              <a:path w="12213599" h="523220" stroke="0" extrusionOk="0">
+                <a:moveTo>
+                  <a:pt x="0" y="0"/>
+                </a:moveTo>
+                <a:cubicBezTo>
+                  <a:pt x="194518" y="-19775"/>
+                  <a:pt x="322055" y="-21870"/>
+                  <a:pt x="556397" y="0"/>
+                </a:cubicBezTo>
+                <a:cubicBezTo>
+                  <a:pt x="790739" y="21870"/>
+                  <a:pt x="784732" y="268"/>
+                  <a:pt x="868523" y="0"/>
+                </a:cubicBezTo>
+                <a:cubicBezTo>
+                  <a:pt x="952314" y="-268"/>
+                  <a:pt x="1223071" y="-19607"/>
+                  <a:pt x="1424920" y="0"/>
+                </a:cubicBezTo>
+                <a:cubicBezTo>
+                  <a:pt x="1626769" y="19607"/>
+                  <a:pt x="2033754" y="-23836"/>
+                  <a:pt x="2347725" y="0"/>
+                </a:cubicBezTo>
+                <a:cubicBezTo>
+                  <a:pt x="2661696" y="23836"/>
+                  <a:pt x="2966698" y="-23475"/>
+                  <a:pt x="3270530" y="0"/>
+                </a:cubicBezTo>
+                <a:cubicBezTo>
+                  <a:pt x="3574362" y="23475"/>
+                  <a:pt x="3991835" y="32163"/>
+                  <a:pt x="4193336" y="0"/>
+                </a:cubicBezTo>
+                <a:cubicBezTo>
+                  <a:pt x="4394837" y="-32163"/>
+                  <a:pt x="4648648" y="26516"/>
+                  <a:pt x="4871869" y="0"/>
+                </a:cubicBezTo>
+                <a:cubicBezTo>
+                  <a:pt x="5095090" y="-26516"/>
+                  <a:pt x="5117373" y="-14810"/>
+                  <a:pt x="5183994" y="0"/>
+                </a:cubicBezTo>
+                <a:cubicBezTo>
+                  <a:pt x="5250615" y="14810"/>
+                  <a:pt x="5720008" y="31149"/>
+                  <a:pt x="5862528" y="0"/>
+                </a:cubicBezTo>
+                <a:cubicBezTo>
+                  <a:pt x="6005048" y="-31149"/>
+                  <a:pt x="6395471" y="17428"/>
+                  <a:pt x="6541061" y="0"/>
+                </a:cubicBezTo>
+                <a:cubicBezTo>
+                  <a:pt x="6686651" y="-17428"/>
+                  <a:pt x="6760352" y="15392"/>
+                  <a:pt x="6853186" y="0"/>
+                </a:cubicBezTo>
+                <a:cubicBezTo>
+                  <a:pt x="6946020" y="-15392"/>
+                  <a:pt x="7269174" y="-14015"/>
+                  <a:pt x="7531719" y="0"/>
+                </a:cubicBezTo>
+                <a:cubicBezTo>
+                  <a:pt x="7794264" y="14015"/>
+                  <a:pt x="7758635" y="7949"/>
+                  <a:pt x="7843845" y="0"/>
+                </a:cubicBezTo>
+                <a:cubicBezTo>
+                  <a:pt x="7929055" y="-7949"/>
+                  <a:pt x="8478947" y="-4100"/>
+                  <a:pt x="8644514" y="0"/>
+                </a:cubicBezTo>
+                <a:cubicBezTo>
+                  <a:pt x="8810081" y="4100"/>
+                  <a:pt x="8896084" y="348"/>
+                  <a:pt x="9078775" y="0"/>
+                </a:cubicBezTo>
+                <a:cubicBezTo>
+                  <a:pt x="9261466" y="-348"/>
+                  <a:pt x="9797243" y="-25915"/>
+                  <a:pt x="10001581" y="0"/>
+                </a:cubicBezTo>
+                <a:cubicBezTo>
+                  <a:pt x="10205919" y="25915"/>
+                  <a:pt x="10273706" y="17622"/>
+                  <a:pt x="10435842" y="0"/>
+                </a:cubicBezTo>
+                <a:cubicBezTo>
+                  <a:pt x="10597978" y="-17622"/>
+                  <a:pt x="10948989" y="25008"/>
+                  <a:pt x="11114375" y="0"/>
+                </a:cubicBezTo>
+                <a:cubicBezTo>
+                  <a:pt x="11279761" y="-25008"/>
+                  <a:pt x="11797758" y="21739"/>
+                  <a:pt x="12213599" y="0"/>
+                </a:cubicBezTo>
+                <a:cubicBezTo>
+                  <a:pt x="12232003" y="240983"/>
+                  <a:pt x="12195801" y="415075"/>
+                  <a:pt x="12213599" y="523220"/>
+                </a:cubicBezTo>
+                <a:cubicBezTo>
+                  <a:pt x="12079856" y="523626"/>
+                  <a:pt x="11852667" y="503533"/>
+                  <a:pt x="11657202" y="523220"/>
+                </a:cubicBezTo>
+                <a:cubicBezTo>
+                  <a:pt x="11461737" y="542907"/>
+                  <a:pt x="11307169" y="522684"/>
+                  <a:pt x="10978668" y="523220"/>
+                </a:cubicBezTo>
+                <a:cubicBezTo>
+                  <a:pt x="10650167" y="523756"/>
+                  <a:pt x="10457306" y="504459"/>
+                  <a:pt x="10300135" y="523220"/>
+                </a:cubicBezTo>
+                <a:cubicBezTo>
+                  <a:pt x="10142964" y="541981"/>
+                  <a:pt x="9832092" y="564258"/>
+                  <a:pt x="9377330" y="523220"/>
+                </a:cubicBezTo>
+                <a:cubicBezTo>
+                  <a:pt x="8922568" y="482182"/>
+                  <a:pt x="8884109" y="489334"/>
+                  <a:pt x="8576661" y="523220"/>
+                </a:cubicBezTo>
+                <a:cubicBezTo>
+                  <a:pt x="8269213" y="557106"/>
+                  <a:pt x="8266244" y="535251"/>
+                  <a:pt x="8142399" y="523220"/>
+                </a:cubicBezTo>
+                <a:cubicBezTo>
+                  <a:pt x="8018554" y="511189"/>
+                  <a:pt x="7898974" y="529536"/>
+                  <a:pt x="7830274" y="523220"/>
+                </a:cubicBezTo>
+                <a:cubicBezTo>
+                  <a:pt x="7761574" y="516904"/>
+                  <a:pt x="7333473" y="557133"/>
+                  <a:pt x="6907469" y="523220"/>
+                </a:cubicBezTo>
+                <a:cubicBezTo>
+                  <a:pt x="6481465" y="489307"/>
+                  <a:pt x="6466775" y="512128"/>
+                  <a:pt x="6106800" y="523220"/>
+                </a:cubicBezTo>
+                <a:cubicBezTo>
+                  <a:pt x="5746825" y="534312"/>
+                  <a:pt x="5878792" y="513929"/>
+                  <a:pt x="5672538" y="523220"/>
+                </a:cubicBezTo>
+                <a:cubicBezTo>
+                  <a:pt x="5466284" y="532511"/>
+                  <a:pt x="5143236" y="563221"/>
+                  <a:pt x="4749733" y="523220"/>
+                </a:cubicBezTo>
+                <a:cubicBezTo>
+                  <a:pt x="4356231" y="483219"/>
+                  <a:pt x="4223091" y="502928"/>
+                  <a:pt x="3826928" y="523220"/>
+                </a:cubicBezTo>
+                <a:cubicBezTo>
+                  <a:pt x="3430765" y="543512"/>
+                  <a:pt x="3571065" y="532119"/>
+                  <a:pt x="3392666" y="523220"/>
+                </a:cubicBezTo>
+                <a:cubicBezTo>
+                  <a:pt x="3214267" y="514321"/>
+                  <a:pt x="2980284" y="540188"/>
+                  <a:pt x="2714133" y="523220"/>
+                </a:cubicBezTo>
+                <a:cubicBezTo>
+                  <a:pt x="2447982" y="506252"/>
+                  <a:pt x="2292531" y="514991"/>
+                  <a:pt x="2157736" y="523220"/>
+                </a:cubicBezTo>
+                <a:cubicBezTo>
+                  <a:pt x="2022941" y="531449"/>
+                  <a:pt x="1667423" y="501846"/>
+                  <a:pt x="1357067" y="523220"/>
+                </a:cubicBezTo>
+                <a:cubicBezTo>
+                  <a:pt x="1046711" y="544594"/>
+                  <a:pt x="967723" y="515248"/>
+                  <a:pt x="800669" y="523220"/>
+                </a:cubicBezTo>
+                <a:cubicBezTo>
+                  <a:pt x="633615" y="531192"/>
+                  <a:pt x="236734" y="515668"/>
+                  <a:pt x="0" y="523220"/>
+                </a:cubicBezTo>
+                <a:cubicBezTo>
+                  <a:pt x="-11056" y="275464"/>
+                  <a:pt x="-2054" y="244296"/>
+                  <a:pt x="0" y="0"/>
+                </a:cubicBezTo>
+                <a:close/>
+              </a:path>
+            </a:pathLst>
+          </a:custGeom>
+          <a:solidFill>
+            <a:srgbClr val="FFC000"/>
+          </a:solidFill>
+          <a:ln w="12700">
+            <a:solidFill>
+              <a:schemeClr val="tx1"/>
+            </a:solidFill>
+            <a:extLst>
+              <a:ext uri="{C807C97D-BFC1-408E-A445-0C87EB9F89A2}">
+                <ask:lineSketchStyleProps xmlns:ask="http://schemas.microsoft.com/office/drawing/2018/sketchyshapes" sd="102006926">
+                  <a:prstGeom prst="rect">
+                    <a:avLst/>
+                  </a:prstGeom>
+                  <ask:type>
+                    <ask:lineSketchFreehand/>
+                  </ask:type>
+                </ask:lineSketchStyleProps>
+              </a:ext>
+            </a:extLst>
+          </a:ln>
+        </p:spPr>
+        <p:txBody>
+          <a:bodyPr wrap="square" rtlCol="0">
+            <a:spAutoFit/>
+          </a:bodyPr>
+          <a:lstStyle/>
+          <a:p>
+            <a:r>
+              <a:rPr lang="en-US" sz="2800" dirty="0"/>
+              <a:t>Construct a histogram based on relative frequencies of funding levels.</a:t>
+            </a:r>
+          </a:p>
+        </p:txBody>
+      </p:sp>
+      <p:sp>
+        <p:nvSpPr>
+          <p:cNvPr id="7" name="TextBox 6">
+            <a:extLst>
+              <a:ext uri="{FF2B5EF4-FFF2-40B4-BE49-F238E27FC236}">
+                <a16:creationId xmlns:a16="http://schemas.microsoft.com/office/drawing/2014/main" id="{882688CF-5675-1A7B-3D70-529DEAD1AA2A}"/>
+              </a:ext>
+            </a:extLst>
+          </p:cNvPr>
+          <p:cNvSpPr txBox="1"/>
+          <p:nvPr/>
+        </p:nvSpPr>
+        <p:spPr>
+          <a:xfrm>
+            <a:off x="1283816" y="5410037"/>
+            <a:ext cx="12213599" cy="954107"/>
+          </a:xfrm>
+          <a:custGeom>
+            <a:avLst/>
+            <a:gdLst>
+              <a:gd name="connsiteX0" fmla="*/ 0 w 12213599"/>
+              <a:gd name="connsiteY0" fmla="*/ 0 h 954107"/>
+              <a:gd name="connsiteX1" fmla="*/ 800669 w 12213599"/>
+              <a:gd name="connsiteY1" fmla="*/ 0 h 954107"/>
+              <a:gd name="connsiteX2" fmla="*/ 1723475 w 12213599"/>
+              <a:gd name="connsiteY2" fmla="*/ 0 h 954107"/>
+              <a:gd name="connsiteX3" fmla="*/ 2524144 w 12213599"/>
+              <a:gd name="connsiteY3" fmla="*/ 0 h 954107"/>
+              <a:gd name="connsiteX4" fmla="*/ 3324813 w 12213599"/>
+              <a:gd name="connsiteY4" fmla="*/ 0 h 954107"/>
+              <a:gd name="connsiteX5" fmla="*/ 3881210 w 12213599"/>
+              <a:gd name="connsiteY5" fmla="*/ 0 h 954107"/>
+              <a:gd name="connsiteX6" fmla="*/ 4681880 w 12213599"/>
+              <a:gd name="connsiteY6" fmla="*/ 0 h 954107"/>
+              <a:gd name="connsiteX7" fmla="*/ 5238277 w 12213599"/>
+              <a:gd name="connsiteY7" fmla="*/ 0 h 954107"/>
+              <a:gd name="connsiteX8" fmla="*/ 6161082 w 12213599"/>
+              <a:gd name="connsiteY8" fmla="*/ 0 h 954107"/>
+              <a:gd name="connsiteX9" fmla="*/ 6961751 w 12213599"/>
+              <a:gd name="connsiteY9" fmla="*/ 0 h 954107"/>
+              <a:gd name="connsiteX10" fmla="*/ 7640285 w 12213599"/>
+              <a:gd name="connsiteY10" fmla="*/ 0 h 954107"/>
+              <a:gd name="connsiteX11" fmla="*/ 8440954 w 12213599"/>
+              <a:gd name="connsiteY11" fmla="*/ 0 h 954107"/>
+              <a:gd name="connsiteX12" fmla="*/ 8875215 w 12213599"/>
+              <a:gd name="connsiteY12" fmla="*/ 0 h 954107"/>
+              <a:gd name="connsiteX13" fmla="*/ 9553749 w 12213599"/>
+              <a:gd name="connsiteY13" fmla="*/ 0 h 954107"/>
+              <a:gd name="connsiteX14" fmla="*/ 10476554 w 12213599"/>
+              <a:gd name="connsiteY14" fmla="*/ 0 h 954107"/>
+              <a:gd name="connsiteX15" fmla="*/ 11277223 w 12213599"/>
+              <a:gd name="connsiteY15" fmla="*/ 0 h 954107"/>
+              <a:gd name="connsiteX16" fmla="*/ 12213599 w 12213599"/>
+              <a:gd name="connsiteY16" fmla="*/ 0 h 954107"/>
+              <a:gd name="connsiteX17" fmla="*/ 12213599 w 12213599"/>
+              <a:gd name="connsiteY17" fmla="*/ 486595 h 954107"/>
+              <a:gd name="connsiteX18" fmla="*/ 12213599 w 12213599"/>
+              <a:gd name="connsiteY18" fmla="*/ 954107 h 954107"/>
+              <a:gd name="connsiteX19" fmla="*/ 11779338 w 12213599"/>
+              <a:gd name="connsiteY19" fmla="*/ 954107 h 954107"/>
+              <a:gd name="connsiteX20" fmla="*/ 11222940 w 12213599"/>
+              <a:gd name="connsiteY20" fmla="*/ 954107 h 954107"/>
+              <a:gd name="connsiteX21" fmla="*/ 10422271 w 12213599"/>
+              <a:gd name="connsiteY21" fmla="*/ 954107 h 954107"/>
+              <a:gd name="connsiteX22" fmla="*/ 9743738 w 12213599"/>
+              <a:gd name="connsiteY22" fmla="*/ 954107 h 954107"/>
+              <a:gd name="connsiteX23" fmla="*/ 9431613 w 12213599"/>
+              <a:gd name="connsiteY23" fmla="*/ 954107 h 954107"/>
+              <a:gd name="connsiteX24" fmla="*/ 8875215 w 12213599"/>
+              <a:gd name="connsiteY24" fmla="*/ 954107 h 954107"/>
+              <a:gd name="connsiteX25" fmla="*/ 8074546 w 12213599"/>
+              <a:gd name="connsiteY25" fmla="*/ 954107 h 954107"/>
+              <a:gd name="connsiteX26" fmla="*/ 7273877 w 12213599"/>
+              <a:gd name="connsiteY26" fmla="*/ 954107 h 954107"/>
+              <a:gd name="connsiteX27" fmla="*/ 6839615 w 12213599"/>
+              <a:gd name="connsiteY27" fmla="*/ 954107 h 954107"/>
+              <a:gd name="connsiteX28" fmla="*/ 6038946 w 12213599"/>
+              <a:gd name="connsiteY28" fmla="*/ 954107 h 954107"/>
+              <a:gd name="connsiteX29" fmla="*/ 5726821 w 12213599"/>
+              <a:gd name="connsiteY29" fmla="*/ 954107 h 954107"/>
+              <a:gd name="connsiteX30" fmla="*/ 5170424 w 12213599"/>
+              <a:gd name="connsiteY30" fmla="*/ 954107 h 954107"/>
+              <a:gd name="connsiteX31" fmla="*/ 4491890 w 12213599"/>
+              <a:gd name="connsiteY31" fmla="*/ 954107 h 954107"/>
+              <a:gd name="connsiteX32" fmla="*/ 4179765 w 12213599"/>
+              <a:gd name="connsiteY32" fmla="*/ 954107 h 954107"/>
+              <a:gd name="connsiteX33" fmla="*/ 3623368 w 12213599"/>
+              <a:gd name="connsiteY33" fmla="*/ 954107 h 954107"/>
+              <a:gd name="connsiteX34" fmla="*/ 3311242 w 12213599"/>
+              <a:gd name="connsiteY34" fmla="*/ 954107 h 954107"/>
+              <a:gd name="connsiteX35" fmla="*/ 2510573 w 12213599"/>
+              <a:gd name="connsiteY35" fmla="*/ 954107 h 954107"/>
+              <a:gd name="connsiteX36" fmla="*/ 1954176 w 12213599"/>
+              <a:gd name="connsiteY36" fmla="*/ 954107 h 954107"/>
+              <a:gd name="connsiteX37" fmla="*/ 1519915 w 12213599"/>
+              <a:gd name="connsiteY37" fmla="*/ 954107 h 954107"/>
+              <a:gd name="connsiteX38" fmla="*/ 597109 w 12213599"/>
+              <a:gd name="connsiteY38" fmla="*/ 954107 h 954107"/>
+              <a:gd name="connsiteX39" fmla="*/ 0 w 12213599"/>
+              <a:gd name="connsiteY39" fmla="*/ 954107 h 954107"/>
+              <a:gd name="connsiteX40" fmla="*/ 0 w 12213599"/>
+              <a:gd name="connsiteY40" fmla="*/ 477054 h 954107"/>
+              <a:gd name="connsiteX41" fmla="*/ 0 w 12213599"/>
+              <a:gd name="connsiteY41" fmla="*/ 0 h 954107"/>
+            </a:gdLst>
+            <a:ahLst/>
+            <a:cxnLst>
+              <a:cxn ang="0">
+                <a:pos x="connsiteX0" y="connsiteY0"/>
+              </a:cxn>
+              <a:cxn ang="0">
+                <a:pos x="connsiteX1" y="connsiteY1"/>
+              </a:cxn>
+              <a:cxn ang="0">
+                <a:pos x="connsiteX2" y="connsiteY2"/>
+              </a:cxn>
+              <a:cxn ang="0">
+                <a:pos x="connsiteX3" y="connsiteY3"/>
+              </a:cxn>
+              <a:cxn ang="0">
+                <a:pos x="connsiteX4" y="connsiteY4"/>
+              </a:cxn>
+              <a:cxn ang="0">
+                <a:pos x="connsiteX5" y="connsiteY5"/>
+              </a:cxn>
+              <a:cxn ang="0">
+                <a:pos x="connsiteX6" y="connsiteY6"/>
+              </a:cxn>
+              <a:cxn ang="0">
+                <a:pos x="connsiteX7" y="connsiteY7"/>
+              </a:cxn>
+              <a:cxn ang="0">
+                <a:pos x="connsiteX8" y="connsiteY8"/>
+              </a:cxn>
+              <a:cxn ang="0">
+                <a:pos x="connsiteX9" y="connsiteY9"/>
+              </a:cxn>
+              <a:cxn ang="0">
+                <a:pos x="connsiteX10" y="connsiteY10"/>
+              </a:cxn>
+              <a:cxn ang="0">
+                <a:pos x="connsiteX11" y="connsiteY11"/>
+              </a:cxn>
+              <a:cxn ang="0">
+                <a:pos x="connsiteX12" y="connsiteY12"/>
+              </a:cxn>
+              <a:cxn ang="0">
+                <a:pos x="connsiteX13" y="connsiteY13"/>
+              </a:cxn>
+              <a:cxn ang="0">
+                <a:pos x="connsiteX14" y="connsiteY14"/>
+              </a:cxn>
+              <a:cxn ang="0">
+                <a:pos x="connsiteX15" y="connsiteY15"/>
+              </a:cxn>
+              <a:cxn ang="0">
+                <a:pos x="connsiteX16" y="connsiteY16"/>
+              </a:cxn>
+              <a:cxn ang="0">
+                <a:pos x="connsiteX17" y="connsiteY17"/>
+              </a:cxn>
+              <a:cxn ang="0">
+                <a:pos x="connsiteX18" y="connsiteY18"/>
+              </a:cxn>
+              <a:cxn ang="0">
+                <a:pos x="connsiteX19" y="connsiteY19"/>
+              </a:cxn>
+              <a:cxn ang="0">
+                <a:pos x="connsiteX20" y="connsiteY20"/>
+              </a:cxn>
+              <a:cxn ang="0">
+                <a:pos x="connsiteX21" y="connsiteY21"/>
+              </a:cxn>
+              <a:cxn ang="0">
+                <a:pos x="connsiteX22" y="connsiteY22"/>
+              </a:cxn>
+              <a:cxn ang="0">
+                <a:pos x="connsiteX23" y="connsiteY23"/>
+              </a:cxn>
+              <a:cxn ang="0">
+                <a:pos x="connsiteX24" y="connsiteY24"/>
+              </a:cxn>
+              <a:cxn ang="0">
+                <a:pos x="connsiteX25" y="connsiteY25"/>
+              </a:cxn>
+              <a:cxn ang="0">
+                <a:pos x="connsiteX26" y="connsiteY26"/>
+              </a:cxn>
+              <a:cxn ang="0">
+                <a:pos x="connsiteX27" y="connsiteY27"/>
+              </a:cxn>
+              <a:cxn ang="0">
+                <a:pos x="connsiteX28" y="connsiteY28"/>
+              </a:cxn>
+              <a:cxn ang="0">
+                <a:pos x="connsiteX29" y="connsiteY29"/>
+              </a:cxn>
+              <a:cxn ang="0">
+                <a:pos x="connsiteX30" y="connsiteY30"/>
+              </a:cxn>
+              <a:cxn ang="0">
+                <a:pos x="connsiteX31" y="connsiteY31"/>
+              </a:cxn>
+              <a:cxn ang="0">
+                <a:pos x="connsiteX32" y="connsiteY32"/>
+              </a:cxn>
+              <a:cxn ang="0">
+                <a:pos x="connsiteX33" y="connsiteY33"/>
+              </a:cxn>
+              <a:cxn ang="0">
+                <a:pos x="connsiteX34" y="connsiteY34"/>
+              </a:cxn>
+              <a:cxn ang="0">
+                <a:pos x="connsiteX35" y="connsiteY35"/>
+              </a:cxn>
+              <a:cxn ang="0">
+                <a:pos x="connsiteX36" y="connsiteY36"/>
+              </a:cxn>
+              <a:cxn ang="0">
+                <a:pos x="connsiteX37" y="connsiteY37"/>
+              </a:cxn>
+              <a:cxn ang="0">
+                <a:pos x="connsiteX38" y="connsiteY38"/>
+              </a:cxn>
+              <a:cxn ang="0">
+                <a:pos x="connsiteX39" y="connsiteY39"/>
+              </a:cxn>
+              <a:cxn ang="0">
+                <a:pos x="connsiteX40" y="connsiteY40"/>
+              </a:cxn>
+              <a:cxn ang="0">
+                <a:pos x="connsiteX41" y="connsiteY41"/>
+              </a:cxn>
+            </a:cxnLst>
+            <a:rect l="l" t="t" r="r" b="b"/>
+            <a:pathLst>
+              <a:path w="12213599" h="954107" fill="none" extrusionOk="0">
+                <a:moveTo>
+                  <a:pt x="0" y="0"/>
+                </a:moveTo>
+                <a:cubicBezTo>
+                  <a:pt x="337244" y="6855"/>
+                  <a:pt x="479471" y="1348"/>
+                  <a:pt x="800669" y="0"/>
+                </a:cubicBezTo>
+                <a:cubicBezTo>
+                  <a:pt x="1121867" y="-1348"/>
+                  <a:pt x="1349501" y="36024"/>
+                  <a:pt x="1723475" y="0"/>
+                </a:cubicBezTo>
+                <a:cubicBezTo>
+                  <a:pt x="2097449" y="-36024"/>
+                  <a:pt x="2259223" y="8337"/>
+                  <a:pt x="2524144" y="0"/>
+                </a:cubicBezTo>
+                <a:cubicBezTo>
+                  <a:pt x="2789065" y="-8337"/>
+                  <a:pt x="3005476" y="38156"/>
+                  <a:pt x="3324813" y="0"/>
+                </a:cubicBezTo>
+                <a:cubicBezTo>
+                  <a:pt x="3644150" y="-38156"/>
+                  <a:pt x="3626202" y="4300"/>
+                  <a:pt x="3881210" y="0"/>
+                </a:cubicBezTo>
+                <a:cubicBezTo>
+                  <a:pt x="4136218" y="-4300"/>
+                  <a:pt x="4380868" y="28543"/>
+                  <a:pt x="4681880" y="0"/>
+                </a:cubicBezTo>
+                <a:cubicBezTo>
+                  <a:pt x="4982892" y="-28543"/>
+                  <a:pt x="5047248" y="-22089"/>
+                  <a:pt x="5238277" y="0"/>
+                </a:cubicBezTo>
+                <a:cubicBezTo>
+                  <a:pt x="5429306" y="22089"/>
+                  <a:pt x="5902090" y="8746"/>
+                  <a:pt x="6161082" y="0"/>
+                </a:cubicBezTo>
+                <a:cubicBezTo>
+                  <a:pt x="6420075" y="-8746"/>
+                  <a:pt x="6653305" y="32710"/>
+                  <a:pt x="6961751" y="0"/>
+                </a:cubicBezTo>
+                <a:cubicBezTo>
+                  <a:pt x="7270197" y="-32710"/>
+                  <a:pt x="7311476" y="-31399"/>
+                  <a:pt x="7640285" y="0"/>
+                </a:cubicBezTo>
+                <a:cubicBezTo>
+                  <a:pt x="7969094" y="31399"/>
+                  <a:pt x="8123438" y="-827"/>
+                  <a:pt x="8440954" y="0"/>
+                </a:cubicBezTo>
+                <a:cubicBezTo>
+                  <a:pt x="8758470" y="827"/>
+                  <a:pt x="8745755" y="6476"/>
+                  <a:pt x="8875215" y="0"/>
+                </a:cubicBezTo>
+                <a:cubicBezTo>
+                  <a:pt x="9004675" y="-6476"/>
+                  <a:pt x="9351521" y="-5499"/>
+                  <a:pt x="9553749" y="0"/>
+                </a:cubicBezTo>
+                <a:cubicBezTo>
+                  <a:pt x="9755977" y="5499"/>
+                  <a:pt x="10025256" y="34936"/>
+                  <a:pt x="10476554" y="0"/>
+                </a:cubicBezTo>
+                <a:cubicBezTo>
+                  <a:pt x="10927853" y="-34936"/>
+                  <a:pt x="10945012" y="13151"/>
+                  <a:pt x="11277223" y="0"/>
+                </a:cubicBezTo>
+                <a:cubicBezTo>
+                  <a:pt x="11609434" y="-13151"/>
+                  <a:pt x="11806936" y="-28939"/>
+                  <a:pt x="12213599" y="0"/>
+                </a:cubicBezTo>
+                <a:cubicBezTo>
+                  <a:pt x="12221614" y="123797"/>
+                  <a:pt x="12191145" y="297962"/>
+                  <a:pt x="12213599" y="486595"/>
+                </a:cubicBezTo>
+                <a:cubicBezTo>
+                  <a:pt x="12236053" y="675229"/>
+                  <a:pt x="12232229" y="829139"/>
+                  <a:pt x="12213599" y="954107"/>
+                </a:cubicBezTo>
+                <a:cubicBezTo>
+                  <a:pt x="12098716" y="970757"/>
+                  <a:pt x="11928996" y="957857"/>
+                  <a:pt x="11779338" y="954107"/>
+                </a:cubicBezTo>
+                <a:cubicBezTo>
+                  <a:pt x="11629680" y="950357"/>
+                  <a:pt x="11368793" y="960859"/>
+                  <a:pt x="11222940" y="954107"/>
+                </a:cubicBezTo>
+                <a:cubicBezTo>
+                  <a:pt x="11077087" y="947355"/>
+                  <a:pt x="10607063" y="952764"/>
+                  <a:pt x="10422271" y="954107"/>
+                </a:cubicBezTo>
+                <a:cubicBezTo>
+                  <a:pt x="10237479" y="955450"/>
+                  <a:pt x="9907061" y="971394"/>
+                  <a:pt x="9743738" y="954107"/>
+                </a:cubicBezTo>
+                <a:cubicBezTo>
+                  <a:pt x="9580415" y="936820"/>
+                  <a:pt x="9571689" y="948182"/>
+                  <a:pt x="9431613" y="954107"/>
+                </a:cubicBezTo>
+                <a:cubicBezTo>
+                  <a:pt x="9291537" y="960032"/>
+                  <a:pt x="9081251" y="966957"/>
+                  <a:pt x="8875215" y="954107"/>
+                </a:cubicBezTo>
+                <a:cubicBezTo>
+                  <a:pt x="8669179" y="941257"/>
+                  <a:pt x="8384398" y="989035"/>
+                  <a:pt x="8074546" y="954107"/>
+                </a:cubicBezTo>
+                <a:cubicBezTo>
+                  <a:pt x="7764694" y="919179"/>
+                  <a:pt x="7597107" y="967026"/>
+                  <a:pt x="7273877" y="954107"/>
+                </a:cubicBezTo>
+                <a:cubicBezTo>
+                  <a:pt x="6950647" y="941188"/>
+                  <a:pt x="6933061" y="949579"/>
+                  <a:pt x="6839615" y="954107"/>
+                </a:cubicBezTo>
+                <a:cubicBezTo>
+                  <a:pt x="6746169" y="958635"/>
+                  <a:pt x="6355499" y="952508"/>
+                  <a:pt x="6038946" y="954107"/>
+                </a:cubicBezTo>
+                <a:cubicBezTo>
+                  <a:pt x="5722393" y="955706"/>
+                  <a:pt x="5826266" y="943292"/>
+                  <a:pt x="5726821" y="954107"/>
+                </a:cubicBezTo>
+                <a:cubicBezTo>
+                  <a:pt x="5627377" y="964922"/>
+                  <a:pt x="5328340" y="953920"/>
+                  <a:pt x="5170424" y="954107"/>
+                </a:cubicBezTo>
+                <a:cubicBezTo>
+                  <a:pt x="5012508" y="954294"/>
+                  <a:pt x="4697274" y="960575"/>
+                  <a:pt x="4491890" y="954107"/>
+                </a:cubicBezTo>
+                <a:cubicBezTo>
+                  <a:pt x="4286506" y="947639"/>
+                  <a:pt x="4264750" y="961326"/>
+                  <a:pt x="4179765" y="954107"/>
+                </a:cubicBezTo>
+                <a:cubicBezTo>
+                  <a:pt x="4094781" y="946888"/>
+                  <a:pt x="3835451" y="971037"/>
+                  <a:pt x="3623368" y="954107"/>
+                </a:cubicBezTo>
+                <a:cubicBezTo>
+                  <a:pt x="3411285" y="937177"/>
+                  <a:pt x="3387020" y="967720"/>
+                  <a:pt x="3311242" y="954107"/>
+                </a:cubicBezTo>
+                <a:cubicBezTo>
+                  <a:pt x="3235464" y="940494"/>
+                  <a:pt x="2838536" y="962838"/>
+                  <a:pt x="2510573" y="954107"/>
+                </a:cubicBezTo>
+                <a:cubicBezTo>
+                  <a:pt x="2182610" y="945376"/>
+                  <a:pt x="2192312" y="944048"/>
+                  <a:pt x="1954176" y="954107"/>
+                </a:cubicBezTo>
+                <a:cubicBezTo>
+                  <a:pt x="1716040" y="964166"/>
+                  <a:pt x="1694981" y="959898"/>
+                  <a:pt x="1519915" y="954107"/>
+                </a:cubicBezTo>
+                <a:cubicBezTo>
+                  <a:pt x="1344849" y="948316"/>
+                  <a:pt x="975392" y="916605"/>
+                  <a:pt x="597109" y="954107"/>
+                </a:cubicBezTo>
+                <a:cubicBezTo>
+                  <a:pt x="218826" y="991609"/>
+                  <a:pt x="220411" y="947006"/>
+                  <a:pt x="0" y="954107"/>
+                </a:cubicBezTo>
+                <a:cubicBezTo>
+                  <a:pt x="-3648" y="750339"/>
+                  <a:pt x="2603" y="696035"/>
+                  <a:pt x="0" y="477054"/>
+                </a:cubicBezTo>
+                <a:cubicBezTo>
+                  <a:pt x="-2603" y="258073"/>
+                  <a:pt x="-13773" y="130077"/>
+                  <a:pt x="0" y="0"/>
+                </a:cubicBezTo>
+                <a:close/>
+              </a:path>
+              <a:path w="12213599" h="954107" stroke="0" extrusionOk="0">
+                <a:moveTo>
+                  <a:pt x="0" y="0"/>
+                </a:moveTo>
+                <a:cubicBezTo>
+                  <a:pt x="194518" y="-19775"/>
+                  <a:pt x="322055" y="-21870"/>
+                  <a:pt x="556397" y="0"/>
+                </a:cubicBezTo>
+                <a:cubicBezTo>
+                  <a:pt x="790739" y="21870"/>
+                  <a:pt x="784732" y="268"/>
+                  <a:pt x="868523" y="0"/>
+                </a:cubicBezTo>
+                <a:cubicBezTo>
+                  <a:pt x="952314" y="-268"/>
+                  <a:pt x="1223071" y="-19607"/>
+                  <a:pt x="1424920" y="0"/>
+                </a:cubicBezTo>
+                <a:cubicBezTo>
+                  <a:pt x="1626769" y="19607"/>
+                  <a:pt x="2033754" y="-23836"/>
+                  <a:pt x="2347725" y="0"/>
+                </a:cubicBezTo>
+                <a:cubicBezTo>
+                  <a:pt x="2661696" y="23836"/>
+                  <a:pt x="2966698" y="-23475"/>
+                  <a:pt x="3270530" y="0"/>
+                </a:cubicBezTo>
+                <a:cubicBezTo>
+                  <a:pt x="3574362" y="23475"/>
+                  <a:pt x="3991835" y="32163"/>
+                  <a:pt x="4193336" y="0"/>
+                </a:cubicBezTo>
+                <a:cubicBezTo>
+                  <a:pt x="4394837" y="-32163"/>
+                  <a:pt x="4648648" y="26516"/>
+                  <a:pt x="4871869" y="0"/>
+                </a:cubicBezTo>
+                <a:cubicBezTo>
+                  <a:pt x="5095090" y="-26516"/>
+                  <a:pt x="5117373" y="-14810"/>
+                  <a:pt x="5183994" y="0"/>
+                </a:cubicBezTo>
+                <a:cubicBezTo>
+                  <a:pt x="5250615" y="14810"/>
+                  <a:pt x="5720008" y="31149"/>
+                  <a:pt x="5862528" y="0"/>
+                </a:cubicBezTo>
+                <a:cubicBezTo>
+                  <a:pt x="6005048" y="-31149"/>
+                  <a:pt x="6395471" y="17428"/>
+                  <a:pt x="6541061" y="0"/>
+                </a:cubicBezTo>
+                <a:cubicBezTo>
+                  <a:pt x="6686651" y="-17428"/>
+                  <a:pt x="6760352" y="15392"/>
+                  <a:pt x="6853186" y="0"/>
+                </a:cubicBezTo>
+                <a:cubicBezTo>
+                  <a:pt x="6946020" y="-15392"/>
+                  <a:pt x="7269174" y="-14015"/>
+                  <a:pt x="7531719" y="0"/>
+                </a:cubicBezTo>
+                <a:cubicBezTo>
+                  <a:pt x="7794264" y="14015"/>
+                  <a:pt x="7758635" y="7949"/>
+                  <a:pt x="7843845" y="0"/>
+                </a:cubicBezTo>
+                <a:cubicBezTo>
+                  <a:pt x="7929055" y="-7949"/>
+                  <a:pt x="8478947" y="-4100"/>
+                  <a:pt x="8644514" y="0"/>
+                </a:cubicBezTo>
+                <a:cubicBezTo>
+                  <a:pt x="8810081" y="4100"/>
+                  <a:pt x="8896084" y="348"/>
+                  <a:pt x="9078775" y="0"/>
+                </a:cubicBezTo>
+                <a:cubicBezTo>
+                  <a:pt x="9261466" y="-348"/>
+                  <a:pt x="9797243" y="-25915"/>
+                  <a:pt x="10001581" y="0"/>
+                </a:cubicBezTo>
+                <a:cubicBezTo>
+                  <a:pt x="10205919" y="25915"/>
+                  <a:pt x="10273706" y="17622"/>
+                  <a:pt x="10435842" y="0"/>
+                </a:cubicBezTo>
+                <a:cubicBezTo>
+                  <a:pt x="10597978" y="-17622"/>
+                  <a:pt x="10948989" y="25008"/>
+                  <a:pt x="11114375" y="0"/>
+                </a:cubicBezTo>
+                <a:cubicBezTo>
+                  <a:pt x="11279761" y="-25008"/>
+                  <a:pt x="11797758" y="21739"/>
+                  <a:pt x="12213599" y="0"/>
+                </a:cubicBezTo>
+                <a:cubicBezTo>
+                  <a:pt x="12219349" y="210150"/>
+                  <a:pt x="12191486" y="348068"/>
+                  <a:pt x="12213599" y="457971"/>
+                </a:cubicBezTo>
+                <a:cubicBezTo>
+                  <a:pt x="12235712" y="567874"/>
+                  <a:pt x="12236589" y="728558"/>
+                  <a:pt x="12213599" y="954107"/>
+                </a:cubicBezTo>
+                <a:cubicBezTo>
+                  <a:pt x="11945039" y="956359"/>
+                  <a:pt x="11797183" y="961743"/>
+                  <a:pt x="11412930" y="954107"/>
+                </a:cubicBezTo>
+                <a:cubicBezTo>
+                  <a:pt x="11028677" y="946471"/>
+                  <a:pt x="10895451" y="938879"/>
+                  <a:pt x="10734396" y="954107"/>
+                </a:cubicBezTo>
+                <a:cubicBezTo>
+                  <a:pt x="10573341" y="969335"/>
+                  <a:pt x="10266353" y="995145"/>
+                  <a:pt x="9811591" y="954107"/>
+                </a:cubicBezTo>
+                <a:cubicBezTo>
+                  <a:pt x="9356829" y="913069"/>
+                  <a:pt x="9318370" y="920221"/>
+                  <a:pt x="9010922" y="954107"/>
+                </a:cubicBezTo>
+                <a:cubicBezTo>
+                  <a:pt x="8703474" y="987993"/>
+                  <a:pt x="8699818" y="964187"/>
+                  <a:pt x="8576661" y="954107"/>
+                </a:cubicBezTo>
+                <a:cubicBezTo>
+                  <a:pt x="8453504" y="944027"/>
+                  <a:pt x="8342280" y="967843"/>
+                  <a:pt x="8264535" y="954107"/>
+                </a:cubicBezTo>
+                <a:cubicBezTo>
+                  <a:pt x="8186790" y="940371"/>
+                  <a:pt x="7767734" y="988020"/>
+                  <a:pt x="7341730" y="954107"/>
+                </a:cubicBezTo>
+                <a:cubicBezTo>
+                  <a:pt x="6915726" y="920194"/>
+                  <a:pt x="6901036" y="943015"/>
+                  <a:pt x="6541061" y="954107"/>
+                </a:cubicBezTo>
+                <a:cubicBezTo>
+                  <a:pt x="6181086" y="965199"/>
+                  <a:pt x="6304101" y="936537"/>
+                  <a:pt x="6106800" y="954107"/>
+                </a:cubicBezTo>
+                <a:cubicBezTo>
+                  <a:pt x="5909499" y="971677"/>
+                  <a:pt x="5580358" y="996955"/>
+                  <a:pt x="5183994" y="954107"/>
+                </a:cubicBezTo>
+                <a:cubicBezTo>
+                  <a:pt x="4787630" y="911259"/>
+                  <a:pt x="4657352" y="933815"/>
+                  <a:pt x="4261189" y="954107"/>
+                </a:cubicBezTo>
+                <a:cubicBezTo>
+                  <a:pt x="3865026" y="974399"/>
+                  <a:pt x="4000779" y="958321"/>
+                  <a:pt x="3826928" y="954107"/>
+                </a:cubicBezTo>
+                <a:cubicBezTo>
+                  <a:pt x="3653077" y="949893"/>
+                  <a:pt x="3416207" y="976852"/>
+                  <a:pt x="3148394" y="954107"/>
+                </a:cubicBezTo>
+                <a:cubicBezTo>
+                  <a:pt x="2880581" y="931362"/>
+                  <a:pt x="2726792" y="945878"/>
+                  <a:pt x="2591997" y="954107"/>
+                </a:cubicBezTo>
+                <a:cubicBezTo>
+                  <a:pt x="2457202" y="962336"/>
+                  <a:pt x="2101684" y="932733"/>
+                  <a:pt x="1791328" y="954107"/>
+                </a:cubicBezTo>
+                <a:cubicBezTo>
+                  <a:pt x="1480972" y="975481"/>
+                  <a:pt x="1396490" y="940701"/>
+                  <a:pt x="1234931" y="954107"/>
+                </a:cubicBezTo>
+                <a:cubicBezTo>
+                  <a:pt x="1073372" y="967513"/>
+                  <a:pt x="972928" y="974834"/>
+                  <a:pt x="800669" y="954107"/>
+                </a:cubicBezTo>
+                <a:cubicBezTo>
+                  <a:pt x="628410" y="933380"/>
+                  <a:pt x="164539" y="935597"/>
+                  <a:pt x="0" y="954107"/>
+                </a:cubicBezTo>
+                <a:cubicBezTo>
+                  <a:pt x="16781" y="783300"/>
+                  <a:pt x="-14331" y="681151"/>
+                  <a:pt x="0" y="505677"/>
+                </a:cubicBezTo>
+                <a:cubicBezTo>
+                  <a:pt x="14331" y="330203"/>
+                  <a:pt x="-8203" y="176885"/>
+                  <a:pt x="0" y="0"/>
+                </a:cubicBezTo>
+                <a:close/>
+              </a:path>
+            </a:pathLst>
+          </a:custGeom>
+          <a:solidFill>
+            <a:srgbClr val="FFC000"/>
+          </a:solidFill>
+          <a:ln w="12700">
+            <a:solidFill>
+              <a:schemeClr val="tx1"/>
+            </a:solidFill>
+            <a:extLst>
+              <a:ext uri="{C807C97D-BFC1-408E-A445-0C87EB9F89A2}">
+                <ask:lineSketchStyleProps xmlns:ask="http://schemas.microsoft.com/office/drawing/2018/sketchyshapes" sd="102006926">
+                  <a:prstGeom prst="rect">
+                    <a:avLst/>
+                  </a:prstGeom>
+                  <ask:type>
+                    <ask:lineSketchFreehand/>
+                  </ask:type>
+                </ask:lineSketchStyleProps>
+              </a:ext>
+            </a:extLst>
+          </a:ln>
+        </p:spPr>
+        <p:txBody>
+          <a:bodyPr wrap="square" rtlCol="0">
+            <a:spAutoFit/>
+          </a:bodyPr>
+          <a:lstStyle/>
+          <a:p>
+            <a:r>
+              <a:rPr lang="en-US" sz="2800" dirty="0"/>
+              <a:t>Modify the frequency distribution so that the last category includes startups with at least $35 million in funding.</a:t>
+            </a:r>
+          </a:p>
+        </p:txBody>
+      </p:sp>
+      <p:sp>
+        <p:nvSpPr>
+          <p:cNvPr id="4" name="TextBox 3">
+            <a:extLst>
+              <a:ext uri="{FF2B5EF4-FFF2-40B4-BE49-F238E27FC236}">
+                <a16:creationId xmlns:a16="http://schemas.microsoft.com/office/drawing/2014/main" id="{52D1AE0B-E65C-BDB4-9D85-27DA6320BFC7}"/>
+              </a:ext>
+            </a:extLst>
+          </p:cNvPr>
+          <p:cNvSpPr txBox="1"/>
+          <p:nvPr/>
+        </p:nvSpPr>
+        <p:spPr>
+          <a:xfrm>
+            <a:off x="1026367" y="1667069"/>
+            <a:ext cx="12471049" cy="1384995"/>
+          </a:xfrm>
+          <a:custGeom>
+            <a:avLst/>
+            <a:gdLst>
+              <a:gd name="connsiteX0" fmla="*/ 0 w 12471049"/>
+              <a:gd name="connsiteY0" fmla="*/ 0 h 1384995"/>
+              <a:gd name="connsiteX1" fmla="*/ 817547 w 12471049"/>
+              <a:gd name="connsiteY1" fmla="*/ 0 h 1384995"/>
+              <a:gd name="connsiteX2" fmla="*/ 1759804 w 12471049"/>
+              <a:gd name="connsiteY2" fmla="*/ 0 h 1384995"/>
+              <a:gd name="connsiteX3" fmla="*/ 2577350 w 12471049"/>
+              <a:gd name="connsiteY3" fmla="*/ 0 h 1384995"/>
+              <a:gd name="connsiteX4" fmla="*/ 3394897 w 12471049"/>
+              <a:gd name="connsiteY4" fmla="*/ 0 h 1384995"/>
+              <a:gd name="connsiteX5" fmla="*/ 3963022 w 12471049"/>
+              <a:gd name="connsiteY5" fmla="*/ 0 h 1384995"/>
+              <a:gd name="connsiteX6" fmla="*/ 4780569 w 12471049"/>
+              <a:gd name="connsiteY6" fmla="*/ 0 h 1384995"/>
+              <a:gd name="connsiteX7" fmla="*/ 5348694 w 12471049"/>
+              <a:gd name="connsiteY7" fmla="*/ 0 h 1384995"/>
+              <a:gd name="connsiteX8" fmla="*/ 6290951 w 12471049"/>
+              <a:gd name="connsiteY8" fmla="*/ 0 h 1384995"/>
+              <a:gd name="connsiteX9" fmla="*/ 7108498 w 12471049"/>
+              <a:gd name="connsiteY9" fmla="*/ 0 h 1384995"/>
+              <a:gd name="connsiteX10" fmla="*/ 7801334 w 12471049"/>
+              <a:gd name="connsiteY10" fmla="*/ 0 h 1384995"/>
+              <a:gd name="connsiteX11" fmla="*/ 8618881 w 12471049"/>
+              <a:gd name="connsiteY11" fmla="*/ 0 h 1384995"/>
+              <a:gd name="connsiteX12" fmla="*/ 9062296 w 12471049"/>
+              <a:gd name="connsiteY12" fmla="*/ 0 h 1384995"/>
+              <a:gd name="connsiteX13" fmla="*/ 9755132 w 12471049"/>
+              <a:gd name="connsiteY13" fmla="*/ 0 h 1384995"/>
+              <a:gd name="connsiteX14" fmla="*/ 10697389 w 12471049"/>
+              <a:gd name="connsiteY14" fmla="*/ 0 h 1384995"/>
+              <a:gd name="connsiteX15" fmla="*/ 11514935 w 12471049"/>
+              <a:gd name="connsiteY15" fmla="*/ 0 h 1384995"/>
+              <a:gd name="connsiteX16" fmla="*/ 12471049 w 12471049"/>
+              <a:gd name="connsiteY16" fmla="*/ 0 h 1384995"/>
+              <a:gd name="connsiteX17" fmla="*/ 12471049 w 12471049"/>
+              <a:gd name="connsiteY17" fmla="*/ 706347 h 1384995"/>
+              <a:gd name="connsiteX18" fmla="*/ 12471049 w 12471049"/>
+              <a:gd name="connsiteY18" fmla="*/ 1384995 h 1384995"/>
+              <a:gd name="connsiteX19" fmla="*/ 12027634 w 12471049"/>
+              <a:gd name="connsiteY19" fmla="*/ 1384995 h 1384995"/>
+              <a:gd name="connsiteX20" fmla="*/ 11459508 w 12471049"/>
+              <a:gd name="connsiteY20" fmla="*/ 1384995 h 1384995"/>
+              <a:gd name="connsiteX21" fmla="*/ 10641962 w 12471049"/>
+              <a:gd name="connsiteY21" fmla="*/ 1384995 h 1384995"/>
+              <a:gd name="connsiteX22" fmla="*/ 9949126 w 12471049"/>
+              <a:gd name="connsiteY22" fmla="*/ 1384995 h 1384995"/>
+              <a:gd name="connsiteX23" fmla="*/ 9630421 w 12471049"/>
+              <a:gd name="connsiteY23" fmla="*/ 1384995 h 1384995"/>
+              <a:gd name="connsiteX24" fmla="*/ 9062296 w 12471049"/>
+              <a:gd name="connsiteY24" fmla="*/ 1384995 h 1384995"/>
+              <a:gd name="connsiteX25" fmla="*/ 8244749 w 12471049"/>
+              <a:gd name="connsiteY25" fmla="*/ 1384995 h 1384995"/>
+              <a:gd name="connsiteX26" fmla="*/ 7427203 w 12471049"/>
+              <a:gd name="connsiteY26" fmla="*/ 1384995 h 1384995"/>
+              <a:gd name="connsiteX27" fmla="*/ 6983787 w 12471049"/>
+              <a:gd name="connsiteY27" fmla="*/ 1384995 h 1384995"/>
+              <a:gd name="connsiteX28" fmla="*/ 6166241 w 12471049"/>
+              <a:gd name="connsiteY28" fmla="*/ 1384995 h 1384995"/>
+              <a:gd name="connsiteX29" fmla="*/ 5847536 w 12471049"/>
+              <a:gd name="connsiteY29" fmla="*/ 1384995 h 1384995"/>
+              <a:gd name="connsiteX30" fmla="*/ 5279411 w 12471049"/>
+              <a:gd name="connsiteY30" fmla="*/ 1384995 h 1384995"/>
+              <a:gd name="connsiteX31" fmla="*/ 4586575 w 12471049"/>
+              <a:gd name="connsiteY31" fmla="*/ 1384995 h 1384995"/>
+              <a:gd name="connsiteX32" fmla="*/ 4267870 w 12471049"/>
+              <a:gd name="connsiteY32" fmla="*/ 1384995 h 1384995"/>
+              <a:gd name="connsiteX33" fmla="*/ 3699745 w 12471049"/>
+              <a:gd name="connsiteY33" fmla="*/ 1384995 h 1384995"/>
+              <a:gd name="connsiteX34" fmla="*/ 3381040 w 12471049"/>
+              <a:gd name="connsiteY34" fmla="*/ 1384995 h 1384995"/>
+              <a:gd name="connsiteX35" fmla="*/ 2563493 w 12471049"/>
+              <a:gd name="connsiteY35" fmla="*/ 1384995 h 1384995"/>
+              <a:gd name="connsiteX36" fmla="*/ 1995368 w 12471049"/>
+              <a:gd name="connsiteY36" fmla="*/ 1384995 h 1384995"/>
+              <a:gd name="connsiteX37" fmla="*/ 1551953 w 12471049"/>
+              <a:gd name="connsiteY37" fmla="*/ 1384995 h 1384995"/>
+              <a:gd name="connsiteX38" fmla="*/ 609696 w 12471049"/>
+              <a:gd name="connsiteY38" fmla="*/ 1384995 h 1384995"/>
+              <a:gd name="connsiteX39" fmla="*/ 0 w 12471049"/>
+              <a:gd name="connsiteY39" fmla="*/ 1384995 h 1384995"/>
+              <a:gd name="connsiteX40" fmla="*/ 0 w 12471049"/>
+              <a:gd name="connsiteY40" fmla="*/ 692498 h 1384995"/>
+              <a:gd name="connsiteX41" fmla="*/ 0 w 12471049"/>
+              <a:gd name="connsiteY41" fmla="*/ 0 h 1384995"/>
+            </a:gdLst>
+            <a:ahLst/>
+            <a:cxnLst>
+              <a:cxn ang="0">
+                <a:pos x="connsiteX0" y="connsiteY0"/>
+              </a:cxn>
+              <a:cxn ang="0">
+                <a:pos x="connsiteX1" y="connsiteY1"/>
+              </a:cxn>
+              <a:cxn ang="0">
+                <a:pos x="connsiteX2" y="connsiteY2"/>
+              </a:cxn>
+              <a:cxn ang="0">
+                <a:pos x="connsiteX3" y="connsiteY3"/>
+              </a:cxn>
+              <a:cxn ang="0">
+                <a:pos x="connsiteX4" y="connsiteY4"/>
+              </a:cxn>
+              <a:cxn ang="0">
+                <a:pos x="connsiteX5" y="connsiteY5"/>
+              </a:cxn>
+              <a:cxn ang="0">
+                <a:pos x="connsiteX6" y="connsiteY6"/>
+              </a:cxn>
+              <a:cxn ang="0">
+                <a:pos x="connsiteX7" y="connsiteY7"/>
+              </a:cxn>
+              <a:cxn ang="0">
+                <a:pos x="connsiteX8" y="connsiteY8"/>
+              </a:cxn>
+              <a:cxn ang="0">
+                <a:pos x="connsiteX9" y="connsiteY9"/>
+              </a:cxn>
+              <a:cxn ang="0">
+                <a:pos x="connsiteX10" y="connsiteY10"/>
+              </a:cxn>
+              <a:cxn ang="0">
+                <a:pos x="connsiteX11" y="connsiteY11"/>
+              </a:cxn>
+              <a:cxn ang="0">
+                <a:pos x="connsiteX12" y="connsiteY12"/>
+              </a:cxn>
+              <a:cxn ang="0">
+                <a:pos x="connsiteX13" y="connsiteY13"/>
+              </a:cxn>
+              <a:cxn ang="0">
+                <a:pos x="connsiteX14" y="connsiteY14"/>
+              </a:cxn>
+              <a:cxn ang="0">
+                <a:pos x="connsiteX15" y="connsiteY15"/>
+              </a:cxn>
+              <a:cxn ang="0">
+                <a:pos x="connsiteX16" y="connsiteY16"/>
+              </a:cxn>
+              <a:cxn ang="0">
+                <a:pos x="connsiteX17" y="connsiteY17"/>
+              </a:cxn>
+              <a:cxn ang="0">
+                <a:pos x="connsiteX18" y="connsiteY18"/>
+              </a:cxn>
+              <a:cxn ang="0">
+                <a:pos x="connsiteX19" y="connsiteY19"/>
+              </a:cxn>
+              <a:cxn ang="0">
+                <a:pos x="connsiteX20" y="connsiteY20"/>
+              </a:cxn>
+              <a:cxn ang="0">
+                <a:pos x="connsiteX21" y="connsiteY21"/>
+              </a:cxn>
+              <a:cxn ang="0">
+                <a:pos x="connsiteX22" y="connsiteY22"/>
+              </a:cxn>
+              <a:cxn ang="0">
+                <a:pos x="connsiteX23" y="connsiteY23"/>
+              </a:cxn>
+              <a:cxn ang="0">
+                <a:pos x="connsiteX24" y="connsiteY24"/>
+              </a:cxn>
+              <a:cxn ang="0">
+                <a:pos x="connsiteX25" y="connsiteY25"/>
+              </a:cxn>
+              <a:cxn ang="0">
+                <a:pos x="connsiteX26" y="connsiteY26"/>
+              </a:cxn>
+              <a:cxn ang="0">
+                <a:pos x="connsiteX27" y="connsiteY27"/>
+              </a:cxn>
+              <a:cxn ang="0">
+                <a:pos x="connsiteX28" y="connsiteY28"/>
+              </a:cxn>
+              <a:cxn ang="0">
+                <a:pos x="connsiteX29" y="connsiteY29"/>
+              </a:cxn>
+              <a:cxn ang="0">
+                <a:pos x="connsiteX30" y="connsiteY30"/>
+              </a:cxn>
+              <a:cxn ang="0">
+                <a:pos x="connsiteX31" y="connsiteY31"/>
+              </a:cxn>
+              <a:cxn ang="0">
+                <a:pos x="connsiteX32" y="connsiteY32"/>
+              </a:cxn>
+              <a:cxn ang="0">
+                <a:pos x="connsiteX33" y="connsiteY33"/>
+              </a:cxn>
+              <a:cxn ang="0">
+                <a:pos x="connsiteX34" y="connsiteY34"/>
+              </a:cxn>
+              <a:cxn ang="0">
+                <a:pos x="connsiteX35" y="connsiteY35"/>
+              </a:cxn>
+              <a:cxn ang="0">
+                <a:pos x="connsiteX36" y="connsiteY36"/>
+              </a:cxn>
+              <a:cxn ang="0">
+                <a:pos x="connsiteX37" y="connsiteY37"/>
+              </a:cxn>
+              <a:cxn ang="0">
+                <a:pos x="connsiteX38" y="connsiteY38"/>
+              </a:cxn>
+              <a:cxn ang="0">
+                <a:pos x="connsiteX39" y="connsiteY39"/>
+              </a:cxn>
+              <a:cxn ang="0">
+                <a:pos x="connsiteX40" y="connsiteY40"/>
+              </a:cxn>
+              <a:cxn ang="0">
+                <a:pos x="connsiteX41" y="connsiteY41"/>
+              </a:cxn>
+            </a:cxnLst>
+            <a:rect l="l" t="t" r="r" b="b"/>
+            <a:pathLst>
+              <a:path w="12471049" h="1384995" fill="none" extrusionOk="0">
+                <a:moveTo>
+                  <a:pt x="0" y="0"/>
+                </a:moveTo>
+                <a:cubicBezTo>
+                  <a:pt x="177778" y="-9462"/>
+                  <a:pt x="579987" y="-14828"/>
+                  <a:pt x="817547" y="0"/>
+                </a:cubicBezTo>
+                <a:cubicBezTo>
+                  <a:pt x="1055107" y="14828"/>
+                  <a:pt x="1493268" y="20823"/>
+                  <a:pt x="1759804" y="0"/>
+                </a:cubicBezTo>
+                <a:cubicBezTo>
+                  <a:pt x="2026340" y="-20823"/>
+                  <a:pt x="2291219" y="-617"/>
+                  <a:pt x="2577350" y="0"/>
+                </a:cubicBezTo>
+                <a:cubicBezTo>
+                  <a:pt x="2863481" y="617"/>
+                  <a:pt x="3053210" y="10282"/>
+                  <a:pt x="3394897" y="0"/>
+                </a:cubicBezTo>
+                <a:cubicBezTo>
+                  <a:pt x="3736584" y="-10282"/>
+                  <a:pt x="3824411" y="-2967"/>
+                  <a:pt x="3963022" y="0"/>
+                </a:cubicBezTo>
+                <a:cubicBezTo>
+                  <a:pt x="4101633" y="2967"/>
+                  <a:pt x="4569036" y="-15383"/>
+                  <a:pt x="4780569" y="0"/>
+                </a:cubicBezTo>
+                <a:cubicBezTo>
+                  <a:pt x="4992102" y="15383"/>
+                  <a:pt x="5138969" y="16050"/>
+                  <a:pt x="5348694" y="0"/>
+                </a:cubicBezTo>
+                <a:cubicBezTo>
+                  <a:pt x="5558419" y="-16050"/>
+                  <a:pt x="6037757" y="28539"/>
+                  <a:pt x="6290951" y="0"/>
+                </a:cubicBezTo>
+                <a:cubicBezTo>
+                  <a:pt x="6544145" y="-28539"/>
+                  <a:pt x="6779838" y="28487"/>
+                  <a:pt x="7108498" y="0"/>
+                </a:cubicBezTo>
+                <a:cubicBezTo>
+                  <a:pt x="7437158" y="-28487"/>
+                  <a:pt x="7572002" y="25412"/>
+                  <a:pt x="7801334" y="0"/>
+                </a:cubicBezTo>
+                <a:cubicBezTo>
+                  <a:pt x="8030666" y="-25412"/>
+                  <a:pt x="8316853" y="-21181"/>
+                  <a:pt x="8618881" y="0"/>
+                </a:cubicBezTo>
+                <a:cubicBezTo>
+                  <a:pt x="8920909" y="21181"/>
+                  <a:pt x="8919643" y="695"/>
+                  <a:pt x="9062296" y="0"/>
+                </a:cubicBezTo>
+                <a:cubicBezTo>
+                  <a:pt x="9204949" y="-695"/>
+                  <a:pt x="9613765" y="12524"/>
+                  <a:pt x="9755132" y="0"/>
+                </a:cubicBezTo>
+                <a:cubicBezTo>
+                  <a:pt x="9896499" y="-12524"/>
+                  <a:pt x="10263423" y="34832"/>
+                  <a:pt x="10697389" y="0"/>
+                </a:cubicBezTo>
+                <a:cubicBezTo>
+                  <a:pt x="11131355" y="-34832"/>
+                  <a:pt x="11321401" y="-24022"/>
+                  <a:pt x="11514935" y="0"/>
+                </a:cubicBezTo>
+                <a:cubicBezTo>
+                  <a:pt x="11708469" y="24022"/>
+                  <a:pt x="12153284" y="-11413"/>
+                  <a:pt x="12471049" y="0"/>
+                </a:cubicBezTo>
+                <a:cubicBezTo>
+                  <a:pt x="12505417" y="280111"/>
+                  <a:pt x="12460111" y="422606"/>
+                  <a:pt x="12471049" y="706347"/>
+                </a:cubicBezTo>
+                <a:cubicBezTo>
+                  <a:pt x="12481987" y="990088"/>
+                  <a:pt x="12488260" y="1244887"/>
+                  <a:pt x="12471049" y="1384995"/>
+                </a:cubicBezTo>
+                <a:cubicBezTo>
+                  <a:pt x="12318579" y="1385364"/>
+                  <a:pt x="12164031" y="1385827"/>
+                  <a:pt x="12027634" y="1384995"/>
+                </a:cubicBezTo>
+                <a:cubicBezTo>
+                  <a:pt x="11891237" y="1384163"/>
+                  <a:pt x="11627669" y="1391819"/>
+                  <a:pt x="11459508" y="1384995"/>
+                </a:cubicBezTo>
+                <a:cubicBezTo>
+                  <a:pt x="11291347" y="1378171"/>
+                  <a:pt x="10963260" y="1344726"/>
+                  <a:pt x="10641962" y="1384995"/>
+                </a:cubicBezTo>
+                <a:cubicBezTo>
+                  <a:pt x="10320664" y="1425264"/>
+                  <a:pt x="10087826" y="1404702"/>
+                  <a:pt x="9949126" y="1384995"/>
+                </a:cubicBezTo>
+                <a:cubicBezTo>
+                  <a:pt x="9810426" y="1365288"/>
+                  <a:pt x="9747944" y="1387682"/>
+                  <a:pt x="9630421" y="1384995"/>
+                </a:cubicBezTo>
+                <a:cubicBezTo>
+                  <a:pt x="9512899" y="1382308"/>
+                  <a:pt x="9189652" y="1391620"/>
+                  <a:pt x="9062296" y="1384995"/>
+                </a:cubicBezTo>
+                <a:cubicBezTo>
+                  <a:pt x="8934941" y="1378370"/>
+                  <a:pt x="8577593" y="1396751"/>
+                  <a:pt x="8244749" y="1384995"/>
+                </a:cubicBezTo>
+                <a:cubicBezTo>
+                  <a:pt x="7911905" y="1373239"/>
+                  <a:pt x="7775551" y="1355084"/>
+                  <a:pt x="7427203" y="1384995"/>
+                </a:cubicBezTo>
+                <a:cubicBezTo>
+                  <a:pt x="7078855" y="1414906"/>
+                  <a:pt x="7107050" y="1387741"/>
+                  <a:pt x="6983787" y="1384995"/>
+                </a:cubicBezTo>
+                <a:cubicBezTo>
+                  <a:pt x="6860524" y="1382249"/>
+                  <a:pt x="6404257" y="1398969"/>
+                  <a:pt x="6166241" y="1384995"/>
+                </a:cubicBezTo>
+                <a:cubicBezTo>
+                  <a:pt x="5928225" y="1371021"/>
+                  <a:pt x="5974207" y="1382488"/>
+                  <a:pt x="5847536" y="1384995"/>
+                </a:cubicBezTo>
+                <a:cubicBezTo>
+                  <a:pt x="5720865" y="1387502"/>
+                  <a:pt x="5450607" y="1356707"/>
+                  <a:pt x="5279411" y="1384995"/>
+                </a:cubicBezTo>
+                <a:cubicBezTo>
+                  <a:pt x="5108215" y="1413283"/>
+                  <a:pt x="4764478" y="1360951"/>
+                  <a:pt x="4586575" y="1384995"/>
+                </a:cubicBezTo>
+                <a:cubicBezTo>
+                  <a:pt x="4408672" y="1409039"/>
+                  <a:pt x="4358354" y="1395844"/>
+                  <a:pt x="4267870" y="1384995"/>
+                </a:cubicBezTo>
+                <a:cubicBezTo>
+                  <a:pt x="4177387" y="1374146"/>
+                  <a:pt x="3917533" y="1389822"/>
+                  <a:pt x="3699745" y="1384995"/>
+                </a:cubicBezTo>
+                <a:cubicBezTo>
+                  <a:pt x="3481958" y="1380168"/>
+                  <a:pt x="3523765" y="1387654"/>
+                  <a:pt x="3381040" y="1384995"/>
+                </a:cubicBezTo>
+                <a:cubicBezTo>
+                  <a:pt x="3238315" y="1382336"/>
+                  <a:pt x="2787092" y="1384028"/>
+                  <a:pt x="2563493" y="1384995"/>
+                </a:cubicBezTo>
+                <a:cubicBezTo>
+                  <a:pt x="2339894" y="1385962"/>
+                  <a:pt x="2115276" y="1408832"/>
+                  <a:pt x="1995368" y="1384995"/>
+                </a:cubicBezTo>
+                <a:cubicBezTo>
+                  <a:pt x="1875461" y="1361158"/>
+                  <a:pt x="1678463" y="1373592"/>
+                  <a:pt x="1551953" y="1384995"/>
+                </a:cubicBezTo>
+                <a:cubicBezTo>
+                  <a:pt x="1425443" y="1396398"/>
+                  <a:pt x="878925" y="1424320"/>
+                  <a:pt x="609696" y="1384995"/>
+                </a:cubicBezTo>
+                <a:cubicBezTo>
+                  <a:pt x="340467" y="1345670"/>
+                  <a:pt x="292290" y="1405532"/>
+                  <a:pt x="0" y="1384995"/>
+                </a:cubicBezTo>
+                <a:cubicBezTo>
+                  <a:pt x="-9416" y="1219902"/>
+                  <a:pt x="-8697" y="941881"/>
+                  <a:pt x="0" y="692498"/>
+                </a:cubicBezTo>
+                <a:cubicBezTo>
+                  <a:pt x="8697" y="443115"/>
+                  <a:pt x="10790" y="222707"/>
+                  <a:pt x="0" y="0"/>
+                </a:cubicBezTo>
+                <a:close/>
+              </a:path>
+              <a:path w="12471049" h="1384995" stroke="0" extrusionOk="0">
+                <a:moveTo>
+                  <a:pt x="0" y="0"/>
+                </a:moveTo>
+                <a:cubicBezTo>
+                  <a:pt x="193118" y="27585"/>
+                  <a:pt x="291933" y="-28072"/>
+                  <a:pt x="568126" y="0"/>
+                </a:cubicBezTo>
+                <a:cubicBezTo>
+                  <a:pt x="844319" y="28072"/>
+                  <a:pt x="741519" y="6481"/>
+                  <a:pt x="886830" y="0"/>
+                </a:cubicBezTo>
+                <a:cubicBezTo>
+                  <a:pt x="1032141" y="-6481"/>
+                  <a:pt x="1226254" y="-1846"/>
+                  <a:pt x="1454956" y="0"/>
+                </a:cubicBezTo>
+                <a:cubicBezTo>
+                  <a:pt x="1683658" y="1846"/>
+                  <a:pt x="1991530" y="-14964"/>
+                  <a:pt x="2397213" y="0"/>
+                </a:cubicBezTo>
+                <a:cubicBezTo>
+                  <a:pt x="2802896" y="14964"/>
+                  <a:pt x="2961173" y="-47077"/>
+                  <a:pt x="3339470" y="0"/>
+                </a:cubicBezTo>
+                <a:cubicBezTo>
+                  <a:pt x="3717767" y="47077"/>
+                  <a:pt x="4053451" y="3708"/>
+                  <a:pt x="4281727" y="0"/>
+                </a:cubicBezTo>
+                <a:cubicBezTo>
+                  <a:pt x="4510003" y="-3708"/>
+                  <a:pt x="4771824" y="26323"/>
+                  <a:pt x="4974563" y="0"/>
+                </a:cubicBezTo>
+                <a:cubicBezTo>
+                  <a:pt x="5177302" y="-26323"/>
+                  <a:pt x="5161272" y="-2781"/>
+                  <a:pt x="5293267" y="0"/>
+                </a:cubicBezTo>
+                <a:cubicBezTo>
+                  <a:pt x="5425262" y="2781"/>
+                  <a:pt x="5752797" y="-12342"/>
+                  <a:pt x="5986104" y="0"/>
+                </a:cubicBezTo>
+                <a:cubicBezTo>
+                  <a:pt x="6219411" y="12342"/>
+                  <a:pt x="6424289" y="13700"/>
+                  <a:pt x="6678940" y="0"/>
+                </a:cubicBezTo>
+                <a:cubicBezTo>
+                  <a:pt x="6933591" y="-13700"/>
+                  <a:pt x="6872316" y="-10177"/>
+                  <a:pt x="6997644" y="0"/>
+                </a:cubicBezTo>
+                <a:cubicBezTo>
+                  <a:pt x="7122972" y="10177"/>
+                  <a:pt x="7391473" y="-12802"/>
+                  <a:pt x="7690480" y="0"/>
+                </a:cubicBezTo>
+                <a:cubicBezTo>
+                  <a:pt x="7989487" y="12802"/>
+                  <a:pt x="7929228" y="-12961"/>
+                  <a:pt x="8009185" y="0"/>
+                </a:cubicBezTo>
+                <a:cubicBezTo>
+                  <a:pt x="8089143" y="12961"/>
+                  <a:pt x="8449485" y="4011"/>
+                  <a:pt x="8826731" y="0"/>
+                </a:cubicBezTo>
+                <a:cubicBezTo>
+                  <a:pt x="9203977" y="-4011"/>
+                  <a:pt x="9093486" y="-3690"/>
+                  <a:pt x="9270146" y="0"/>
+                </a:cubicBezTo>
+                <a:cubicBezTo>
+                  <a:pt x="9446807" y="3690"/>
+                  <a:pt x="9805159" y="38183"/>
+                  <a:pt x="10212403" y="0"/>
+                </a:cubicBezTo>
+                <a:cubicBezTo>
+                  <a:pt x="10619647" y="-38183"/>
+                  <a:pt x="10565346" y="-1113"/>
+                  <a:pt x="10655819" y="0"/>
+                </a:cubicBezTo>
+                <a:cubicBezTo>
+                  <a:pt x="10746292" y="1113"/>
+                  <a:pt x="11005569" y="18584"/>
+                  <a:pt x="11348655" y="0"/>
+                </a:cubicBezTo>
+                <a:cubicBezTo>
+                  <a:pt x="11691741" y="-18584"/>
+                  <a:pt x="12052184" y="-9151"/>
+                  <a:pt x="12471049" y="0"/>
+                </a:cubicBezTo>
+                <a:cubicBezTo>
+                  <a:pt x="12472757" y="291568"/>
+                  <a:pt x="12500543" y="402831"/>
+                  <a:pt x="12471049" y="664798"/>
+                </a:cubicBezTo>
+                <a:cubicBezTo>
+                  <a:pt x="12441555" y="926765"/>
+                  <a:pt x="12474956" y="1139135"/>
+                  <a:pt x="12471049" y="1384995"/>
+                </a:cubicBezTo>
+                <a:cubicBezTo>
+                  <a:pt x="12268635" y="1356901"/>
+                  <a:pt x="11957748" y="1399217"/>
+                  <a:pt x="11653502" y="1384995"/>
+                </a:cubicBezTo>
+                <a:cubicBezTo>
+                  <a:pt x="11349256" y="1370773"/>
+                  <a:pt x="11178549" y="1387413"/>
+                  <a:pt x="10960666" y="1384995"/>
+                </a:cubicBezTo>
+                <a:cubicBezTo>
+                  <a:pt x="10742783" y="1382577"/>
+                  <a:pt x="10479960" y="1363637"/>
+                  <a:pt x="10018409" y="1384995"/>
+                </a:cubicBezTo>
+                <a:cubicBezTo>
+                  <a:pt x="9556858" y="1406353"/>
+                  <a:pt x="9369507" y="1372654"/>
+                  <a:pt x="9200863" y="1384995"/>
+                </a:cubicBezTo>
+                <a:cubicBezTo>
+                  <a:pt x="9032219" y="1397336"/>
+                  <a:pt x="8921782" y="1382616"/>
+                  <a:pt x="8757448" y="1384995"/>
+                </a:cubicBezTo>
+                <a:cubicBezTo>
+                  <a:pt x="8593114" y="1387374"/>
+                  <a:pt x="8553884" y="1387002"/>
+                  <a:pt x="8438743" y="1384995"/>
+                </a:cubicBezTo>
+                <a:cubicBezTo>
+                  <a:pt x="8323602" y="1382988"/>
+                  <a:pt x="7735050" y="1380332"/>
+                  <a:pt x="7496486" y="1384995"/>
+                </a:cubicBezTo>
+                <a:cubicBezTo>
+                  <a:pt x="7257922" y="1389658"/>
+                  <a:pt x="6887464" y="1404298"/>
+                  <a:pt x="6678940" y="1384995"/>
+                </a:cubicBezTo>
+                <a:cubicBezTo>
+                  <a:pt x="6470416" y="1365692"/>
+                  <a:pt x="6451288" y="1373310"/>
+                  <a:pt x="6235525" y="1384995"/>
+                </a:cubicBezTo>
+                <a:cubicBezTo>
+                  <a:pt x="6019763" y="1396680"/>
+                  <a:pt x="5659994" y="1392218"/>
+                  <a:pt x="5293267" y="1384995"/>
+                </a:cubicBezTo>
+                <a:cubicBezTo>
+                  <a:pt x="4926540" y="1377772"/>
+                  <a:pt x="4557710" y="1415082"/>
+                  <a:pt x="4351010" y="1384995"/>
+                </a:cubicBezTo>
+                <a:cubicBezTo>
+                  <a:pt x="4144310" y="1354908"/>
+                  <a:pt x="4075941" y="1402503"/>
+                  <a:pt x="3907595" y="1384995"/>
+                </a:cubicBezTo>
+                <a:cubicBezTo>
+                  <a:pt x="3739249" y="1367487"/>
+                  <a:pt x="3560251" y="1380065"/>
+                  <a:pt x="3214759" y="1384995"/>
+                </a:cubicBezTo>
+                <a:cubicBezTo>
+                  <a:pt x="2869267" y="1389925"/>
+                  <a:pt x="2763206" y="1362437"/>
+                  <a:pt x="2646634" y="1384995"/>
+                </a:cubicBezTo>
+                <a:cubicBezTo>
+                  <a:pt x="2530063" y="1407553"/>
+                  <a:pt x="2050271" y="1385414"/>
+                  <a:pt x="1829087" y="1384995"/>
+                </a:cubicBezTo>
+                <a:cubicBezTo>
+                  <a:pt x="1607903" y="1384576"/>
+                  <a:pt x="1445647" y="1363193"/>
+                  <a:pt x="1260962" y="1384995"/>
+                </a:cubicBezTo>
+                <a:cubicBezTo>
+                  <a:pt x="1076278" y="1406797"/>
+                  <a:pt x="1026077" y="1382361"/>
+                  <a:pt x="817547" y="1384995"/>
+                </a:cubicBezTo>
+                <a:cubicBezTo>
+                  <a:pt x="609017" y="1387629"/>
+                  <a:pt x="238635" y="1374558"/>
+                  <a:pt x="0" y="1384995"/>
+                </a:cubicBezTo>
+                <a:cubicBezTo>
+                  <a:pt x="327" y="1216251"/>
+                  <a:pt x="23336" y="992528"/>
+                  <a:pt x="0" y="734047"/>
+                </a:cubicBezTo>
+                <a:cubicBezTo>
+                  <a:pt x="-23336" y="475566"/>
+                  <a:pt x="15792" y="170018"/>
+                  <a:pt x="0" y="0"/>
+                </a:cubicBezTo>
+                <a:close/>
+              </a:path>
+            </a:pathLst>
+          </a:custGeom>
+          <a:solidFill>
+            <a:srgbClr val="FFC000"/>
+          </a:solidFill>
+          <a:ln w="12700">
+            <a:solidFill>
+              <a:schemeClr val="tx1"/>
+            </a:solidFill>
+            <a:extLst>
+              <a:ext uri="{C807C97D-BFC1-408E-A445-0C87EB9F89A2}">
+                <ask:lineSketchStyleProps xmlns:ask="http://schemas.microsoft.com/office/drawing/2018/sketchyshapes" sd="102006926">
+                  <a:prstGeom prst="rect">
+                    <a:avLst/>
+                  </a:prstGeom>
+                  <ask:type>
+                    <ask:lineSketchFreehand/>
+                  </ask:type>
+                </ask:lineSketchStyleProps>
+              </a:ext>
+            </a:extLst>
+          </a:ln>
+        </p:spPr>
+        <p:txBody>
+          <a:bodyPr wrap="square" rtlCol="0">
+            <a:spAutoFit/>
+          </a:bodyPr>
+          <a:lstStyle/>
+          <a:p>
+            <a:pPr algn="just"/>
+            <a:r>
+              <a:rPr lang="en-US" sz="2800" dirty="0"/>
+              <a:t>A researcher is studying the funding levels of biotechnology startups to understand how investment is distributed in the sector. The funding amounts (in million dollars) and their frequencies are summarized below:</a:t>
+            </a:r>
+          </a:p>
+        </p:txBody>
+      </p:sp>
+    </p:spTree>
+    <p:extLst>
+      <p:ext uri="{BB962C8B-B14F-4D97-AF65-F5344CB8AC3E}">
+        <p14:creationId xmlns:p14="http://schemas.microsoft.com/office/powerpoint/2010/main" val="214424387"/>
+      </p:ext>
+    </p:extLst>
+  </p:cSld>
+  <p:clrMapOvr>
+    <a:masterClrMapping/>
+  </p:clrMapOvr>
+  <p:timing>
+    <p:tnLst>
+      <p:par>
+        <p:cTn id="1" dur="indefinite" restart="never" nodeType="tmRoot">
+          <p:childTnLst>
+            <p:seq concurrent="1" nextAc="seek">
+              <p:cTn id="2" dur="indefinite" nodeType="mainSeq">
+                <p:childTnLst>
+                  <p:par>
+                    <p:cTn id="3" fill="hold">
+                      <p:stCondLst>
+                        <p:cond delay="indefinite"/>
+                      </p:stCondLst>
+                      <p:childTnLst>
+                        <p:par>
+                          <p:cTn id="4" fill="hold">
+                            <p:stCondLst>
+                              <p:cond delay="0"/>
+                            </p:stCondLst>
+                            <p:childTnLst>
+                              <p:par>
+                                <p:cTn id="5" presetID="1" presetClass="entr" presetSubtype="0" fill="hold" grpId="0" nodeType="clickEffect">
+                                  <p:stCondLst>
+                                    <p:cond delay="0"/>
+                                  </p:stCondLst>
+                                  <p:childTnLst>
+                                    <p:set>
+                                      <p:cBhvr>
+                                        <p:cTn id="6" dur="1" fill="hold">
+                                          <p:stCondLst>
+                                            <p:cond delay="0"/>
+                                          </p:stCondLst>
+                                        </p:cTn>
+                                        <p:tgtEl>
+                                          <p:spTgt spid="6"/>
+                                        </p:tgtEl>
+                                        <p:attrNameLst>
+                                          <p:attrName>style.visibility</p:attrName>
+                                        </p:attrNameLst>
+                                      </p:cBhvr>
+                                      <p:to>
+                                        <p:strVal val="visible"/>
+                                      </p:to>
+                                    </p:set>
+                                  </p:childTnLst>
+                                </p:cTn>
+                              </p:par>
+                            </p:childTnLst>
+                          </p:cTn>
+                        </p:par>
+                      </p:childTnLst>
+                    </p:cTn>
+                  </p:par>
+                  <p:par>
+                    <p:cTn id="7" fill="hold">
+                      <p:stCondLst>
+                        <p:cond delay="indefinite"/>
+                      </p:stCondLst>
+                      <p:childTnLst>
+                        <p:par>
+                          <p:cTn id="8" fill="hold">
+                            <p:stCondLst>
+                              <p:cond delay="0"/>
+                            </p:stCondLst>
+                            <p:childTnLst>
+                              <p:par>
+                                <p:cTn id="9" presetID="1" presetClass="entr" presetSubtype="0" fill="hold" grpId="0" nodeType="clickEffect">
+                                  <p:stCondLst>
+                                    <p:cond delay="0"/>
+                                  </p:stCondLst>
+                                  <p:childTnLst>
+                                    <p:set>
+                                      <p:cBhvr>
+                                        <p:cTn id="10" dur="1" fill="hold">
+                                          <p:stCondLst>
+                                            <p:cond delay="0"/>
+                                          </p:stCondLst>
+                                        </p:cTn>
+                                        <p:tgtEl>
+                                          <p:spTgt spid="7"/>
+                                        </p:tgtEl>
+                                        <p:attrNameLst>
+                                          <p:attrName>style.visibility</p:attrName>
+                                        </p:attrNameLst>
+                                      </p:cBhvr>
+                                      <p:to>
+                                        <p:strVal val="visible"/>
+                                      </p:to>
+                                    </p:set>
+                                  </p:childTnLst>
+                                </p:cTn>
+                              </p:par>
+                            </p:childTnLst>
+                          </p:cTn>
+                        </p:par>
+                      </p:childTnLst>
+                    </p:cTn>
+                  </p:par>
+                </p:childTnLst>
+              </p:cTn>
+              <p:prevCondLst>
+                <p:cond evt="onPrev" delay="0">
+                  <p:tgtEl>
+                    <p:sldTgt/>
+                  </p:tgtEl>
+                </p:cond>
+              </p:prevCondLst>
+              <p:nextCondLst>
+                <p:cond evt="onNext" delay="0">
+                  <p:tgtEl>
+                    <p:sldTgt/>
+                  </p:tgtEl>
+                </p:cond>
+              </p:nextCondLst>
+            </p:seq>
+          </p:childTnLst>
+        </p:cTn>
+      </p:par>
+    </p:tnLst>
+    <p:bldLst>
+      <p:bldP spid="6" grpId="0" animBg="1"/>
+      <p:bldP spid="7" grpId="0" animBg="1"/>
+    </p:bldLst>
+  </p:timing>
+</p:sld>
+</file>
+
+<file path=ppt/slides/slide26.xml><?xml version="1.0" encoding="utf-8"?>
+<p:sld xmlns:a="http://schemas.openxmlformats.org/drawingml/2006/main" xmlns:r="http://schemas.openxmlformats.org/officeDocument/2006/relationships" xmlns:p="http://schemas.openxmlformats.org/presentationml/2006/main">
+  <p:cSld>
+    <p:spTree>
+      <p:nvGrpSpPr>
         <p:cNvPr id="1" name=""/>
         <p:cNvGrpSpPr/>
         <p:nvPr/>
@@ -27505,7 +31160,7 @@
 </p:sld>
 </file>
 
-<file path=ppt/slides/slide26.xml><?xml version="1.0" encoding="utf-8"?>
+<file path=ppt/slides/slide27.xml><?xml version="1.0" encoding="utf-8"?>
 <p:sld xmlns:a="http://schemas.openxmlformats.org/drawingml/2006/main" xmlns:r="http://schemas.openxmlformats.org/officeDocument/2006/relationships" xmlns:p="http://schemas.openxmlformats.org/presentationml/2006/main">
   <p:cSld>
     <p:spTree>

--- a/2.2 Data Presentations (STA201).pptx
+++ b/2.2 Data Presentations (STA201).pptx
@@ -4314,7 +4314,7 @@
           <a:p>
             <a:fld id="{97B34786-0A07-4281-A7C3-7630DD8912B6}" type="datetimeFigureOut">
               <a:rPr lang="en-US" smtClean="0"/>
-              <a:t>2/8/2025</a:t>
+              <a:t>2/10/2025</a:t>
             </a:fld>
             <a:endParaRPr lang="en-US"/>
           </a:p>
@@ -4493,7 +4493,7 @@
           <a:p>
             <a:fld id="{97B34786-0A07-4281-A7C3-7630DD8912B6}" type="datetimeFigureOut">
               <a:rPr lang="en-US" smtClean="0"/>
-              <a:t>2/8/2025</a:t>
+              <a:t>2/10/2025</a:t>
             </a:fld>
             <a:endParaRPr lang="en-US"/>
           </a:p>
@@ -4673,7 +4673,7 @@
           <a:p>
             <a:fld id="{97B34786-0A07-4281-A7C3-7630DD8912B6}" type="datetimeFigureOut">
               <a:rPr lang="en-US" smtClean="0"/>
-              <a:t>2/8/2025</a:t>
+              <a:t>2/10/2025</a:t>
             </a:fld>
             <a:endParaRPr lang="en-US"/>
           </a:p>
@@ -4848,7 +4848,7 @@
           <a:p>
             <a:fld id="{97B34786-0A07-4281-A7C3-7630DD8912B6}" type="datetimeFigureOut">
               <a:rPr lang="en-US" smtClean="0"/>
-              <a:t>2/8/2025</a:t>
+              <a:t>2/10/2025</a:t>
             </a:fld>
             <a:endParaRPr lang="en-US"/>
           </a:p>
@@ -5018,7 +5018,7 @@
           <a:p>
             <a:fld id="{97B34786-0A07-4281-A7C3-7630DD8912B6}" type="datetimeFigureOut">
               <a:rPr lang="en-US" smtClean="0"/>
-              <a:t>2/8/2025</a:t>
+              <a:t>2/10/2025</a:t>
             </a:fld>
             <a:endParaRPr lang="en-US"/>
           </a:p>
@@ -5331,7 +5331,7 @@
           <a:p>
             <a:fld id="{97B34786-0A07-4281-A7C3-7630DD8912B6}" type="datetimeFigureOut">
               <a:rPr lang="en-US" smtClean="0"/>
-              <a:t>2/8/2025</a:t>
+              <a:t>2/10/2025</a:t>
             </a:fld>
             <a:endParaRPr lang="en-US"/>
           </a:p>
@@ -5717,7 +5717,7 @@
           <a:p>
             <a:fld id="{97B34786-0A07-4281-A7C3-7630DD8912B6}" type="datetimeFigureOut">
               <a:rPr lang="en-US" smtClean="0"/>
-              <a:t>2/8/2025</a:t>
+              <a:t>2/10/2025</a:t>
             </a:fld>
             <a:endParaRPr lang="en-US"/>
           </a:p>
@@ -6151,7 +6151,7 @@
           <a:p>
             <a:fld id="{97B34786-0A07-4281-A7C3-7630DD8912B6}" type="datetimeFigureOut">
               <a:rPr lang="en-US" smtClean="0"/>
-              <a:t>2/8/2025</a:t>
+              <a:t>2/10/2025</a:t>
             </a:fld>
             <a:endParaRPr lang="en-US"/>
           </a:p>
@@ -6269,7 +6269,7 @@
           <a:p>
             <a:fld id="{97B34786-0A07-4281-A7C3-7630DD8912B6}" type="datetimeFigureOut">
               <a:rPr lang="en-US" smtClean="0"/>
-              <a:t>2/8/2025</a:t>
+              <a:t>2/10/2025</a:t>
             </a:fld>
             <a:endParaRPr lang="en-US"/>
           </a:p>
@@ -6364,7 +6364,7 @@
           <a:p>
             <a:fld id="{97B34786-0A07-4281-A7C3-7630DD8912B6}" type="datetimeFigureOut">
               <a:rPr lang="en-US" smtClean="0"/>
-              <a:t>2/8/2025</a:t>
+              <a:t>2/10/2025</a:t>
             </a:fld>
             <a:endParaRPr lang="en-US"/>
           </a:p>
@@ -6714,7 +6714,7 @@
           <a:p>
             <a:fld id="{97B34786-0A07-4281-A7C3-7630DD8912B6}" type="datetimeFigureOut">
               <a:rPr lang="en-US" smtClean="0"/>
-              <a:t>2/8/2025</a:t>
+              <a:t>2/10/2025</a:t>
             </a:fld>
             <a:endParaRPr lang="en-US"/>
           </a:p>
@@ -7139,7 +7139,7 @@
           <a:p>
             <a:fld id="{97B34786-0A07-4281-A7C3-7630DD8912B6}" type="datetimeFigureOut">
               <a:rPr lang="en-US" smtClean="0"/>
-              <a:t>2/8/2025</a:t>
+              <a:t>2/10/2025</a:t>
             </a:fld>
             <a:endParaRPr lang="en-US"/>
           </a:p>
@@ -7420,7 +7420,7 @@
           <a:p>
             <a:fld id="{97B34786-0A07-4281-A7C3-7630DD8912B6}" type="datetimeFigureOut">
               <a:rPr lang="en-US" smtClean="0"/>
-              <a:t>2/8/2025</a:t>
+              <a:t>2/10/2025</a:t>
             </a:fld>
             <a:endParaRPr lang="en-US"/>
           </a:p>
@@ -32744,8 +32744,13 @@
             </a:pPr>
             <a:r>
               <a:rPr lang="en-US" sz="3200" dirty="0"/>
-              <a:t>Construct the frequency distribution table.</a:t>
+              <a:t>Construct the frequency distribution table (</a:t>
             </a:r>
+            <a:r>
+              <a:rPr lang="en-US" sz="3200"/>
+              <a:t>class interval = 4).</a:t>
+            </a:r>
+            <a:endParaRPr lang="en-US" sz="3200" dirty="0"/>
           </a:p>
           <a:p>
             <a:pPr marL="514350" indent="-514350">
